--- a/PrezentaciaRiso.pptx
+++ b/PrezentaciaRiso.pptx
@@ -5,15 +5,20 @@
     <p:sldMasterId id="2147483648" r:id="rId1"/>
   </p:sldMasterIdLst>
   <p:notesMasterIdLst>
-    <p:notesMasterId r:id="rId8"/>
+    <p:notesMasterId r:id="rId13"/>
   </p:notesMasterIdLst>
   <p:sldIdLst>
     <p:sldId id="256" r:id="rId2"/>
-    <p:sldId id="258" r:id="rId3"/>
-    <p:sldId id="261" r:id="rId4"/>
-    <p:sldId id="262" r:id="rId5"/>
-    <p:sldId id="260" r:id="rId6"/>
-    <p:sldId id="263" r:id="rId7"/>
+    <p:sldId id="269" r:id="rId3"/>
+    <p:sldId id="266" r:id="rId4"/>
+    <p:sldId id="258" r:id="rId5"/>
+    <p:sldId id="267" r:id="rId6"/>
+    <p:sldId id="261" r:id="rId7"/>
+    <p:sldId id="268" r:id="rId8"/>
+    <p:sldId id="262" r:id="rId9"/>
+    <p:sldId id="257" r:id="rId10"/>
+    <p:sldId id="264" r:id="rId11"/>
+    <p:sldId id="263" r:id="rId12"/>
   </p:sldIdLst>
   <p:sldSz cx="12192000" cy="6858000"/>
   <p:notesSz cx="6858000" cy="9144000"/>
@@ -112,6 +117,11 @@
       </a:defRPr>
     </a:lvl9pPr>
   </p:defaultTextStyle>
+  <p:extLst>
+    <p:ext uri="{EFAFB233-063F-42B5-8137-9DF3F51BA10A}">
+      <p15:sldGuideLst xmlns:p15="http://schemas.microsoft.com/office/powerpoint/2012/main"/>
+    </p:ext>
+  </p:extLst>
 </p:presentation>
 </file>
 
@@ -197,7 +207,7 @@
           <a:p>
             <a:fld id="{EEAF7BCD-6782-413E-BCFD-B8637E4E8740}" type="datetimeFigureOut">
               <a:rPr lang="en-US" smtClean="0"/>
-              <a:t>29/10/2019</a:t>
+              <a:t>1/11/2019</a:t>
             </a:fld>
             <a:endParaRPr lang="en-US"/>
           </a:p>
@@ -509,6 +519,114 @@
           <a:lstStyle/>
           <a:p>
             <a:r>
+              <a:rPr lang="cs-CZ" dirty="0"/>
+              <a:t>Od všetkých providerov</a:t>
+            </a:r>
+          </a:p>
+          <a:p>
+            <a:r>
+              <a:rPr lang="cs-CZ" dirty="0"/>
+              <a:t>Bez diskriminácie</a:t>
+            </a:r>
+          </a:p>
+          <a:p>
+            <a:r>
+              <a:rPr lang="cs-CZ" dirty="0"/>
+              <a:t>Bez zámerného spomaľovania</a:t>
+            </a:r>
+          </a:p>
+          <a:p>
+            <a:r>
+              <a:rPr lang="cs-CZ" dirty="0"/>
+              <a:t>Bez prioritizácie používateľa</a:t>
+            </a:r>
+          </a:p>
+          <a:p>
+            <a:endParaRPr lang="en-US" dirty="0"/>
+          </a:p>
+        </p:txBody>
+      </p:sp>
+      <p:sp>
+        <p:nvSpPr>
+          <p:cNvPr id="4" name="Slide Number Placeholder 3"/>
+          <p:cNvSpPr>
+            <a:spLocks noGrp="1"/>
+          </p:cNvSpPr>
+          <p:nvPr>
+            <p:ph type="sldNum" sz="quarter" idx="5"/>
+          </p:nvPr>
+        </p:nvSpPr>
+        <p:spPr/>
+        <p:txBody>
+          <a:bodyPr/>
+          <a:lstStyle/>
+          <a:p>
+            <a:fld id="{7225D424-E4DF-4FD9-97B4-DDC2085D98F7}" type="slidenum">
+              <a:rPr lang="en-US" smtClean="0"/>
+              <a:t>4</a:t>
+            </a:fld>
+            <a:endParaRPr lang="en-US"/>
+          </a:p>
+        </p:txBody>
+      </p:sp>
+    </p:spTree>
+    <p:extLst>
+      <p:ext uri="{BB962C8B-B14F-4D97-AF65-F5344CB8AC3E}">
+        <p14:creationId xmlns:p14="http://schemas.microsoft.com/office/powerpoint/2010/main" val="2877633032"/>
+      </p:ext>
+    </p:extLst>
+  </p:cSld>
+  <p:clrMapOvr>
+    <a:masterClrMapping/>
+  </p:clrMapOvr>
+</p:notes>
+</file>
+
+<file path=ppt/notesSlides/notesSlide2.xml><?xml version="1.0" encoding="utf-8"?>
+<p:notes xmlns:a="http://schemas.openxmlformats.org/drawingml/2006/main" xmlns:r="http://schemas.openxmlformats.org/officeDocument/2006/relationships" xmlns:p="http://schemas.openxmlformats.org/presentationml/2006/main">
+  <p:cSld>
+    <p:spTree>
+      <p:nvGrpSpPr>
+        <p:cNvPr id="1" name=""/>
+        <p:cNvGrpSpPr/>
+        <p:nvPr/>
+      </p:nvGrpSpPr>
+      <p:grpSpPr>
+        <a:xfrm>
+          <a:off x="0" y="0"/>
+          <a:ext cx="0" cy="0"/>
+          <a:chOff x="0" y="0"/>
+          <a:chExt cx="0" cy="0"/>
+        </a:xfrm>
+      </p:grpSpPr>
+      <p:sp>
+        <p:nvSpPr>
+          <p:cNvPr id="2" name="Slide Image Placeholder 1"/>
+          <p:cNvSpPr>
+            <a:spLocks noGrp="1" noRot="1" noChangeAspect="1"/>
+          </p:cNvSpPr>
+          <p:nvPr>
+            <p:ph type="sldImg"/>
+          </p:nvPr>
+        </p:nvSpPr>
+        <p:spPr/>
+      </p:sp>
+      <p:sp>
+        <p:nvSpPr>
+          <p:cNvPr id="3" name="Notes Placeholder 2"/>
+          <p:cNvSpPr>
+            <a:spLocks noGrp="1"/>
+          </p:cNvSpPr>
+          <p:nvPr>
+            <p:ph type="body" idx="1"/>
+          </p:nvPr>
+        </p:nvSpPr>
+        <p:spPr/>
+        <p:txBody>
+          <a:bodyPr/>
+          <a:lstStyle/>
+          <a:p>
+            <a:r>
               <a:rPr lang="en-US" sz="1200" b="0" i="0" u="none" strike="noStrike" kern="1200" baseline="0" dirty="0">
                 <a:solidFill>
                   <a:schemeClr val="tx1"/>
@@ -587,7 +705,7 @@
           <a:p>
             <a:fld id="{7225D424-E4DF-4FD9-97B4-DDC2085D98F7}" type="slidenum">
               <a:rPr lang="en-US" smtClean="0"/>
-              <a:t>4</a:t>
+              <a:t>8</a:t>
             </a:fld>
             <a:endParaRPr lang="en-US"/>
           </a:p>
@@ -753,7 +871,7 @@
           <a:p>
             <a:fld id="{BDCD04BE-9241-4E22-A793-95CEBF312EB0}" type="datetimeFigureOut">
               <a:rPr lang="en-US" smtClean="0"/>
-              <a:t>29/10/2019</a:t>
+              <a:t>1/11/2019</a:t>
             </a:fld>
             <a:endParaRPr lang="en-US"/>
           </a:p>
@@ -951,7 +1069,7 @@
           <a:p>
             <a:fld id="{BDCD04BE-9241-4E22-A793-95CEBF312EB0}" type="datetimeFigureOut">
               <a:rPr lang="en-US" smtClean="0"/>
-              <a:t>29/10/2019</a:t>
+              <a:t>1/11/2019</a:t>
             </a:fld>
             <a:endParaRPr lang="en-US"/>
           </a:p>
@@ -1159,7 +1277,7 @@
           <a:p>
             <a:fld id="{BDCD04BE-9241-4E22-A793-95CEBF312EB0}" type="datetimeFigureOut">
               <a:rPr lang="en-US" smtClean="0"/>
-              <a:t>29/10/2019</a:t>
+              <a:t>1/11/2019</a:t>
             </a:fld>
             <a:endParaRPr lang="en-US"/>
           </a:p>
@@ -1357,7 +1475,7 @@
           <a:p>
             <a:fld id="{BDCD04BE-9241-4E22-A793-95CEBF312EB0}" type="datetimeFigureOut">
               <a:rPr lang="en-US" smtClean="0"/>
-              <a:t>29/10/2019</a:t>
+              <a:t>1/11/2019</a:t>
             </a:fld>
             <a:endParaRPr lang="en-US"/>
           </a:p>
@@ -1632,7 +1750,7 @@
           <a:p>
             <a:fld id="{BDCD04BE-9241-4E22-A793-95CEBF312EB0}" type="datetimeFigureOut">
               <a:rPr lang="en-US" smtClean="0"/>
-              <a:t>29/10/2019</a:t>
+              <a:t>1/11/2019</a:t>
             </a:fld>
             <a:endParaRPr lang="en-US"/>
           </a:p>
@@ -1897,7 +2015,7 @@
           <a:p>
             <a:fld id="{BDCD04BE-9241-4E22-A793-95CEBF312EB0}" type="datetimeFigureOut">
               <a:rPr lang="en-US" smtClean="0"/>
-              <a:t>29/10/2019</a:t>
+              <a:t>1/11/2019</a:t>
             </a:fld>
             <a:endParaRPr lang="en-US"/>
           </a:p>
@@ -2309,7 +2427,7 @@
           <a:p>
             <a:fld id="{BDCD04BE-9241-4E22-A793-95CEBF312EB0}" type="datetimeFigureOut">
               <a:rPr lang="en-US" smtClean="0"/>
-              <a:t>29/10/2019</a:t>
+              <a:t>1/11/2019</a:t>
             </a:fld>
             <a:endParaRPr lang="en-US"/>
           </a:p>
@@ -2450,7 +2568,7 @@
           <a:p>
             <a:fld id="{BDCD04BE-9241-4E22-A793-95CEBF312EB0}" type="datetimeFigureOut">
               <a:rPr lang="en-US" smtClean="0"/>
-              <a:t>29/10/2019</a:t>
+              <a:t>1/11/2019</a:t>
             </a:fld>
             <a:endParaRPr lang="en-US"/>
           </a:p>
@@ -2563,7 +2681,7 @@
           <a:p>
             <a:fld id="{BDCD04BE-9241-4E22-A793-95CEBF312EB0}" type="datetimeFigureOut">
               <a:rPr lang="en-US" smtClean="0"/>
-              <a:t>29/10/2019</a:t>
+              <a:t>1/11/2019</a:t>
             </a:fld>
             <a:endParaRPr lang="en-US"/>
           </a:p>
@@ -2874,7 +2992,7 @@
           <a:p>
             <a:fld id="{BDCD04BE-9241-4E22-A793-95CEBF312EB0}" type="datetimeFigureOut">
               <a:rPr lang="en-US" smtClean="0"/>
-              <a:t>29/10/2019</a:t>
+              <a:t>1/11/2019</a:t>
             </a:fld>
             <a:endParaRPr lang="en-US"/>
           </a:p>
@@ -3162,7 +3280,7 @@
           <a:p>
             <a:fld id="{BDCD04BE-9241-4E22-A793-95CEBF312EB0}" type="datetimeFigureOut">
               <a:rPr lang="en-US" smtClean="0"/>
-              <a:t>29/10/2019</a:t>
+              <a:t>1/11/2019</a:t>
             </a:fld>
             <a:endParaRPr lang="en-US"/>
           </a:p>
@@ -3403,7 +3521,7 @@
           <a:p>
             <a:fld id="{BDCD04BE-9241-4E22-A793-95CEBF312EB0}" type="datetimeFigureOut">
               <a:rPr lang="en-US" smtClean="0"/>
-              <a:t>29/10/2019</a:t>
+              <a:t>1/11/2019</a:t>
             </a:fld>
             <a:endParaRPr lang="en-US"/>
           </a:p>
@@ -3895,6 +4013,521 @@
 </p:sld>
 </file>
 
+<file path=ppt/slides/slide10.xml><?xml version="1.0" encoding="utf-8"?>
+<p:sld xmlns:a="http://schemas.openxmlformats.org/drawingml/2006/main" xmlns:r="http://schemas.openxmlformats.org/officeDocument/2006/relationships" xmlns:p="http://schemas.openxmlformats.org/presentationml/2006/main">
+  <p:cSld>
+    <p:spTree>
+      <p:nvGrpSpPr>
+        <p:cNvPr id="1" name=""/>
+        <p:cNvGrpSpPr/>
+        <p:nvPr/>
+      </p:nvGrpSpPr>
+      <p:grpSpPr>
+        <a:xfrm>
+          <a:off x="0" y="0"/>
+          <a:ext cx="0" cy="0"/>
+          <a:chOff x="0" y="0"/>
+          <a:chExt cx="0" cy="0"/>
+        </a:xfrm>
+      </p:grpSpPr>
+      <p:sp>
+        <p:nvSpPr>
+          <p:cNvPr id="6" name="Obdĺžnik 5">
+            <a:extLst>
+              <a:ext uri="{FF2B5EF4-FFF2-40B4-BE49-F238E27FC236}">
+                <a16:creationId xmlns:a16="http://schemas.microsoft.com/office/drawing/2014/main" id="{CC692B29-05EF-4D22-A150-BB130218726E}"/>
+              </a:ext>
+            </a:extLst>
+          </p:cNvPr>
+          <p:cNvSpPr/>
+          <p:nvPr/>
+        </p:nvSpPr>
+        <p:spPr>
+          <a:xfrm>
+            <a:off x="120074" y="108860"/>
+            <a:ext cx="11951832" cy="6640280"/>
+          </a:xfrm>
+          <a:prstGeom prst="rect">
+            <a:avLst/>
+          </a:prstGeom>
+          <a:solidFill>
+            <a:schemeClr val="bg1"/>
+          </a:solidFill>
+          <a:ln w="38100">
+            <a:solidFill>
+              <a:schemeClr val="accent1">
+                <a:lumMod val="75000"/>
+              </a:schemeClr>
+            </a:solidFill>
+          </a:ln>
+        </p:spPr>
+        <p:style>
+          <a:lnRef idx="2">
+            <a:schemeClr val="accent1">
+              <a:shade val="50000"/>
+            </a:schemeClr>
+          </a:lnRef>
+          <a:fillRef idx="1">
+            <a:schemeClr val="accent1"/>
+          </a:fillRef>
+          <a:effectRef idx="0">
+            <a:schemeClr val="accent1"/>
+          </a:effectRef>
+          <a:fontRef idx="minor">
+            <a:schemeClr val="lt1"/>
+          </a:fontRef>
+        </p:style>
+        <p:txBody>
+          <a:bodyPr rtlCol="0" anchor="ctr"/>
+          <a:lstStyle/>
+          <a:p>
+            <a:pPr algn="ctr"/>
+            <a:r>
+              <a:rPr lang="sk-SK" dirty="0"/>
+              <a:t>O</a:t>
+            </a:r>
+          </a:p>
+        </p:txBody>
+      </p:sp>
+      <p:pic>
+        <p:nvPicPr>
+          <p:cNvPr id="5" name="Picture 2" descr="Súvisiaci obrázok">
+            <a:extLst>
+              <a:ext uri="{FF2B5EF4-FFF2-40B4-BE49-F238E27FC236}">
+                <a16:creationId xmlns:a16="http://schemas.microsoft.com/office/drawing/2014/main" id="{520877C3-5457-491B-95DD-1BBAAEE8A9B5}"/>
+              </a:ext>
+            </a:extLst>
+          </p:cNvPr>
+          <p:cNvPicPr>
+            <a:picLocks noChangeAspect="1" noChangeArrowheads="1"/>
+          </p:cNvPicPr>
+          <p:nvPr/>
+        </p:nvPicPr>
+        <p:blipFill>
+          <a:blip r:embed="rId2">
+            <a:extLst>
+              <a:ext uri="{28A0092B-C50C-407E-A947-70E740481C1C}">
+                <a14:useLocalDpi xmlns:a14="http://schemas.microsoft.com/office/drawing/2010/main" val="0"/>
+              </a:ext>
+            </a:extLst>
+          </a:blip>
+          <a:stretch>
+            <a:fillRect/>
+          </a:stretch>
+        </p:blipFill>
+        <p:spPr bwMode="auto">
+          <a:xfrm>
+            <a:off x="10858522" y="6267997"/>
+            <a:ext cx="1150049" cy="376643"/>
+          </a:xfrm>
+          <a:prstGeom prst="rect">
+            <a:avLst/>
+          </a:prstGeom>
+          <a:noFill/>
+          <a:extLst>
+            <a:ext uri="{909E8E84-426E-40DD-AFC4-6F175D3DCCD1}">
+              <a14:hiddenFill xmlns:a14="http://schemas.microsoft.com/office/drawing/2010/main">
+                <a:solidFill>
+                  <a:srgbClr val="FFFFFF"/>
+                </a:solidFill>
+              </a14:hiddenFill>
+            </a:ext>
+          </a:extLst>
+        </p:spPr>
+      </p:pic>
+      <p:sp>
+        <p:nvSpPr>
+          <p:cNvPr id="7" name="TextBox 6">
+            <a:extLst>
+              <a:ext uri="{FF2B5EF4-FFF2-40B4-BE49-F238E27FC236}">
+                <a16:creationId xmlns:a16="http://schemas.microsoft.com/office/drawing/2014/main" id="{0B3081B5-5383-43A0-9400-00D280A2584D}"/>
+              </a:ext>
+            </a:extLst>
+          </p:cNvPr>
+          <p:cNvSpPr txBox="1"/>
+          <p:nvPr/>
+        </p:nvSpPr>
+        <p:spPr>
+          <a:xfrm>
+            <a:off x="798578" y="1063017"/>
+            <a:ext cx="10594823" cy="584775"/>
+          </a:xfrm>
+          <a:prstGeom prst="rect">
+            <a:avLst/>
+          </a:prstGeom>
+          <a:noFill/>
+        </p:spPr>
+        <p:txBody>
+          <a:bodyPr wrap="none" rtlCol="0">
+            <a:spAutoFit/>
+          </a:bodyPr>
+          <a:lstStyle/>
+          <a:p>
+            <a:r>
+              <a:rPr lang="cs-CZ" sz="3200" i="1" dirty="0"/>
+              <a:t>Je spolupráca </a:t>
+            </a:r>
+            <a:r>
+              <a:rPr lang="cs-CZ" sz="3200" i="1" dirty="0">
+                <a:solidFill>
+                  <a:srgbClr val="FF0000"/>
+                </a:solidFill>
+              </a:rPr>
+              <a:t>zákonodarnej moci</a:t>
+            </a:r>
+            <a:r>
+              <a:rPr lang="cs-CZ" sz="3200" i="1" dirty="0"/>
+              <a:t> s </a:t>
+            </a:r>
+            <a:r>
+              <a:rPr lang="cs-CZ" sz="3200" i="1" dirty="0">
+                <a:solidFill>
+                  <a:srgbClr val="FF0000"/>
+                </a:solidFill>
+              </a:rPr>
+              <a:t>počítačovou vedou</a:t>
+            </a:r>
+            <a:r>
+              <a:rPr lang="cs-CZ" sz="3200" i="1" dirty="0"/>
+              <a:t> možná?</a:t>
+            </a:r>
+            <a:endParaRPr lang="en-US" sz="3200" i="1" dirty="0"/>
+          </a:p>
+        </p:txBody>
+      </p:sp>
+      <p:sp>
+        <p:nvSpPr>
+          <p:cNvPr id="8" name="TextBox 7">
+            <a:extLst>
+              <a:ext uri="{FF2B5EF4-FFF2-40B4-BE49-F238E27FC236}">
+                <a16:creationId xmlns:a16="http://schemas.microsoft.com/office/drawing/2014/main" id="{B4693F7D-4AA4-4CFB-89A0-F915EA0297E8}"/>
+              </a:ext>
+            </a:extLst>
+          </p:cNvPr>
+          <p:cNvSpPr txBox="1"/>
+          <p:nvPr/>
+        </p:nvSpPr>
+        <p:spPr>
+          <a:xfrm>
+            <a:off x="798578" y="4052273"/>
+            <a:ext cx="8178457" cy="584775"/>
+          </a:xfrm>
+          <a:prstGeom prst="rect">
+            <a:avLst/>
+          </a:prstGeom>
+          <a:noFill/>
+        </p:spPr>
+        <p:txBody>
+          <a:bodyPr wrap="none" rtlCol="0">
+            <a:spAutoFit/>
+          </a:bodyPr>
+          <a:lstStyle/>
+          <a:p>
+            <a:r>
+              <a:rPr lang="cs-CZ" sz="3200" b="1" dirty="0">
+                <a:solidFill>
+                  <a:schemeClr val="accent6">
+                    <a:lumMod val="75000"/>
+                  </a:schemeClr>
+                </a:solidFill>
+              </a:rPr>
+              <a:t>Oslabenie vplyvu vlády a korporácii na internet</a:t>
+            </a:r>
+            <a:endParaRPr lang="en-US" sz="3200" b="1" dirty="0">
+              <a:solidFill>
+                <a:schemeClr val="accent6">
+                  <a:lumMod val="75000"/>
+                </a:schemeClr>
+              </a:solidFill>
+            </a:endParaRPr>
+          </a:p>
+        </p:txBody>
+      </p:sp>
+      <p:sp>
+        <p:nvSpPr>
+          <p:cNvPr id="9" name="TextBox 8">
+            <a:extLst>
+              <a:ext uri="{FF2B5EF4-FFF2-40B4-BE49-F238E27FC236}">
+                <a16:creationId xmlns:a16="http://schemas.microsoft.com/office/drawing/2014/main" id="{C5AA02B5-26CC-49CE-9545-AFDE1C98C3E4}"/>
+              </a:ext>
+            </a:extLst>
+          </p:cNvPr>
+          <p:cNvSpPr txBox="1"/>
+          <p:nvPr/>
+        </p:nvSpPr>
+        <p:spPr>
+          <a:xfrm>
+            <a:off x="1015393" y="2220953"/>
+            <a:ext cx="5511637" cy="584775"/>
+          </a:xfrm>
+          <a:prstGeom prst="rect">
+            <a:avLst/>
+          </a:prstGeom>
+          <a:noFill/>
+        </p:spPr>
+        <p:txBody>
+          <a:bodyPr wrap="none" rtlCol="0">
+            <a:spAutoFit/>
+          </a:bodyPr>
+          <a:lstStyle/>
+          <a:p>
+            <a:r>
+              <a:rPr lang="cs-CZ" sz="3200" b="1" dirty="0">
+                <a:solidFill>
+                  <a:schemeClr val="accent6">
+                    <a:lumMod val="75000"/>
+                  </a:schemeClr>
+                </a:solidFill>
+              </a:rPr>
+              <a:t>Internet ovládaný používateľmi</a:t>
+            </a:r>
+            <a:endParaRPr lang="en-US" sz="3200" b="1" dirty="0">
+              <a:solidFill>
+                <a:schemeClr val="accent6">
+                  <a:lumMod val="75000"/>
+                </a:schemeClr>
+              </a:solidFill>
+            </a:endParaRPr>
+          </a:p>
+        </p:txBody>
+      </p:sp>
+      <p:sp>
+        <p:nvSpPr>
+          <p:cNvPr id="12" name="Arrow: Down 11">
+            <a:extLst>
+              <a:ext uri="{FF2B5EF4-FFF2-40B4-BE49-F238E27FC236}">
+                <a16:creationId xmlns:a16="http://schemas.microsoft.com/office/drawing/2014/main" id="{08A37E05-CD79-4A8D-8F77-56AC5BCB4855}"/>
+              </a:ext>
+            </a:extLst>
+          </p:cNvPr>
+          <p:cNvSpPr/>
+          <p:nvPr/>
+        </p:nvSpPr>
+        <p:spPr>
+          <a:xfrm>
+            <a:off x="3177818" y="2924666"/>
+            <a:ext cx="593393" cy="1008668"/>
+          </a:xfrm>
+          <a:prstGeom prst="downArrow">
+            <a:avLst/>
+          </a:prstGeom>
+        </p:spPr>
+        <p:style>
+          <a:lnRef idx="2">
+            <a:schemeClr val="accent1">
+              <a:shade val="50000"/>
+            </a:schemeClr>
+          </a:lnRef>
+          <a:fillRef idx="1">
+            <a:schemeClr val="accent1"/>
+          </a:fillRef>
+          <a:effectRef idx="0">
+            <a:schemeClr val="accent1"/>
+          </a:effectRef>
+          <a:fontRef idx="minor">
+            <a:schemeClr val="lt1"/>
+          </a:fontRef>
+        </p:style>
+        <p:txBody>
+          <a:bodyPr rtlCol="0" anchor="ctr"/>
+          <a:lstStyle/>
+          <a:p>
+            <a:pPr algn="ctr"/>
+            <a:endParaRPr lang="en-US"/>
+          </a:p>
+        </p:txBody>
+      </p:sp>
+      <p:pic>
+        <p:nvPicPr>
+          <p:cNvPr id="13" name="Picture 2" descr="Image result for cooperation">
+            <a:extLst>
+              <a:ext uri="{FF2B5EF4-FFF2-40B4-BE49-F238E27FC236}">
+                <a16:creationId xmlns:a16="http://schemas.microsoft.com/office/drawing/2014/main" id="{BE968334-50F3-4CF6-BBD8-CFE84E5952C9}"/>
+              </a:ext>
+            </a:extLst>
+          </p:cNvPr>
+          <p:cNvPicPr>
+            <a:picLocks noChangeAspect="1" noChangeArrowheads="1"/>
+          </p:cNvPicPr>
+          <p:nvPr/>
+        </p:nvPicPr>
+        <p:blipFill>
+          <a:blip r:embed="rId3">
+            <a:extLst>
+              <a:ext uri="{28A0092B-C50C-407E-A947-70E740481C1C}">
+                <a14:useLocalDpi xmlns:a14="http://schemas.microsoft.com/office/drawing/2010/main" val="0"/>
+              </a:ext>
+            </a:extLst>
+          </a:blip>
+          <a:srcRect/>
+          <a:stretch>
+            <a:fillRect/>
+          </a:stretch>
+        </p:blipFill>
+        <p:spPr bwMode="auto">
+          <a:xfrm>
+            <a:off x="6527030" y="1778514"/>
+            <a:ext cx="5144715" cy="2220189"/>
+          </a:xfrm>
+          <a:prstGeom prst="rect">
+            <a:avLst/>
+          </a:prstGeom>
+          <a:noFill/>
+          <a:extLst>
+            <a:ext uri="{909E8E84-426E-40DD-AFC4-6F175D3DCCD1}">
+              <a14:hiddenFill xmlns:a14="http://schemas.microsoft.com/office/drawing/2010/main">
+                <a:solidFill>
+                  <a:srgbClr val="FFFFFF"/>
+                </a:solidFill>
+              </a14:hiddenFill>
+            </a:ext>
+          </a:extLst>
+        </p:spPr>
+      </p:pic>
+    </p:spTree>
+    <p:extLst>
+      <p:ext uri="{BB962C8B-B14F-4D97-AF65-F5344CB8AC3E}">
+        <p14:creationId xmlns:p14="http://schemas.microsoft.com/office/powerpoint/2010/main" val="844185703"/>
+      </p:ext>
+    </p:extLst>
+  </p:cSld>
+  <p:clrMapOvr>
+    <a:masterClrMapping/>
+  </p:clrMapOvr>
+</p:sld>
+</file>
+
+<file path=ppt/slides/slide11.xml><?xml version="1.0" encoding="utf-8"?>
+<p:sld xmlns:a="http://schemas.openxmlformats.org/drawingml/2006/main" xmlns:r="http://schemas.openxmlformats.org/officeDocument/2006/relationships" xmlns:p="http://schemas.openxmlformats.org/presentationml/2006/main">
+  <p:cSld>
+    <p:spTree>
+      <p:nvGrpSpPr>
+        <p:cNvPr id="1" name=""/>
+        <p:cNvGrpSpPr/>
+        <p:nvPr/>
+      </p:nvGrpSpPr>
+      <p:grpSpPr>
+        <a:xfrm>
+          <a:off x="0" y="0"/>
+          <a:ext cx="0" cy="0"/>
+          <a:chOff x="0" y="0"/>
+          <a:chExt cx="0" cy="0"/>
+        </a:xfrm>
+      </p:grpSpPr>
+      <p:sp>
+        <p:nvSpPr>
+          <p:cNvPr id="2" name="Title 1">
+            <a:extLst>
+              <a:ext uri="{FF2B5EF4-FFF2-40B4-BE49-F238E27FC236}">
+                <a16:creationId xmlns:a16="http://schemas.microsoft.com/office/drawing/2014/main" id="{0BA2C6CE-B1CA-4558-81AC-A8E67F9EFB48}"/>
+              </a:ext>
+            </a:extLst>
+          </p:cNvPr>
+          <p:cNvSpPr>
+            <a:spLocks noGrp="1"/>
+          </p:cNvSpPr>
+          <p:nvPr>
+            <p:ph type="title"/>
+          </p:nvPr>
+        </p:nvSpPr>
+        <p:spPr/>
+        <p:txBody>
+          <a:bodyPr/>
+          <a:lstStyle/>
+          <a:p>
+            <a:r>
+              <a:rPr lang="cs-CZ" dirty="0"/>
+              <a:t>Zdroje</a:t>
+            </a:r>
+            <a:endParaRPr lang="en-US" dirty="0"/>
+          </a:p>
+        </p:txBody>
+      </p:sp>
+      <p:sp>
+        <p:nvSpPr>
+          <p:cNvPr id="3" name="Content Placeholder 2">
+            <a:extLst>
+              <a:ext uri="{FF2B5EF4-FFF2-40B4-BE49-F238E27FC236}">
+                <a16:creationId xmlns:a16="http://schemas.microsoft.com/office/drawing/2014/main" id="{1D3FBC29-BC66-4481-9A9A-22C55D60B77A}"/>
+              </a:ext>
+            </a:extLst>
+          </p:cNvPr>
+          <p:cNvSpPr>
+            <a:spLocks noGrp="1"/>
+          </p:cNvSpPr>
+          <p:nvPr>
+            <p:ph idx="1"/>
+          </p:nvPr>
+        </p:nvSpPr>
+        <p:spPr/>
+        <p:txBody>
+          <a:bodyPr>
+            <a:normAutofit/>
+          </a:bodyPr>
+          <a:lstStyle/>
+          <a:p>
+            <a:pPr marL="0" indent="0">
+              <a:buNone/>
+            </a:pPr>
+            <a:r>
+              <a:rPr lang="en-US" sz="1600" dirty="0">
+                <a:hlinkClick r:id="rId2"/>
+              </a:rPr>
+              <a:t>https://en.wikipedia.org/wiki/Net_neutrality#Legal_aspects</a:t>
+            </a:r>
+            <a:endParaRPr lang="cs-CZ" sz="1600" dirty="0"/>
+          </a:p>
+          <a:p>
+            <a:pPr marL="0" indent="0">
+              <a:buNone/>
+            </a:pPr>
+            <a:r>
+              <a:rPr lang="en-US" sz="1600" dirty="0">
+                <a:hlinkClick r:id="rId3"/>
+              </a:rPr>
+              <a:t>https://berec.europa.eu/eng/netneutrality/</a:t>
+            </a:r>
+            <a:endParaRPr lang="cs-CZ" sz="1600" dirty="0"/>
+          </a:p>
+          <a:p>
+            <a:pPr marL="0" indent="0">
+              <a:buNone/>
+            </a:pPr>
+            <a:r>
+              <a:rPr lang="en-US" sz="1600" dirty="0">
+                <a:hlinkClick r:id="rId4"/>
+              </a:rPr>
+              <a:t>https://www.eff.org/issues/net-neutrality</a:t>
+            </a:r>
+            <a:endParaRPr lang="cs-CZ" sz="1600" dirty="0"/>
+          </a:p>
+          <a:p>
+            <a:pPr marL="0" indent="0">
+              <a:buNone/>
+            </a:pPr>
+            <a:r>
+              <a:rPr lang="en-US" sz="1600" dirty="0">
+                <a:hlinkClick r:id="rId5"/>
+              </a:rPr>
+              <a:t>https://www.researchgate.net/publication/259926987_Internet_Co-Regulation_European_Law_Regulatory_Governance_and_Legitimacy_in_Cyberspace_by_Christopher_T_Marsden</a:t>
+            </a:r>
+            <a:endParaRPr lang="en-US" sz="1500" dirty="0"/>
+          </a:p>
+        </p:txBody>
+      </p:sp>
+    </p:spTree>
+    <p:extLst>
+      <p:ext uri="{BB962C8B-B14F-4D97-AF65-F5344CB8AC3E}">
+        <p14:creationId xmlns:p14="http://schemas.microsoft.com/office/powerpoint/2010/main" val="1343444229"/>
+      </p:ext>
+    </p:extLst>
+  </p:cSld>
+  <p:clrMapOvr>
+    <a:masterClrMapping/>
+  </p:clrMapOvr>
+</p:sld>
+</file>
+
 <file path=ppt/slides/slide2.xml><?xml version="1.0" encoding="utf-8"?>
 <p:sld xmlns:a="http://schemas.openxmlformats.org/drawingml/2006/main" xmlns:r="http://schemas.openxmlformats.org/officeDocument/2006/relationships" xmlns:p="http://schemas.openxmlformats.org/presentationml/2006/main">
   <p:cSld>
@@ -3914,102 +4547,173 @@
       </p:grpSpPr>
       <p:sp>
         <p:nvSpPr>
-          <p:cNvPr id="2" name="Title 1">
-            <a:extLst>
-              <a:ext uri="{FF2B5EF4-FFF2-40B4-BE49-F238E27FC236}">
-                <a16:creationId xmlns:a16="http://schemas.microsoft.com/office/drawing/2014/main" id="{E569CC56-658D-4F8C-AE01-C80188EC840F}"/>
-              </a:ext>
-            </a:extLst>
-          </p:cNvPr>
-          <p:cNvSpPr>
-            <a:spLocks noGrp="1"/>
-          </p:cNvSpPr>
-          <p:nvPr>
-            <p:ph type="title"/>
-          </p:nvPr>
-        </p:nvSpPr>
-        <p:spPr/>
-        <p:txBody>
-          <a:bodyPr/>
-          <a:lstStyle/>
-          <a:p>
-            <a:r>
-              <a:rPr lang="cs-CZ" b="1" dirty="0"/>
-              <a:t>Net neutrality</a:t>
-            </a:r>
-            <a:endParaRPr lang="en-US" b="1" dirty="0"/>
-          </a:p>
-        </p:txBody>
-      </p:sp>
-      <p:sp>
-        <p:nvSpPr>
-          <p:cNvPr id="3" name="Content Placeholder 2">
-            <a:extLst>
-              <a:ext uri="{FF2B5EF4-FFF2-40B4-BE49-F238E27FC236}">
-                <a16:creationId xmlns:a16="http://schemas.microsoft.com/office/drawing/2014/main" id="{16898CC8-47C5-4DE5-B4F4-2EC3A521BCBC}"/>
-              </a:ext>
-            </a:extLst>
-          </p:cNvPr>
-          <p:cNvSpPr>
-            <a:spLocks noGrp="1"/>
-          </p:cNvSpPr>
-          <p:nvPr>
-            <p:ph idx="1"/>
-          </p:nvPr>
-        </p:nvSpPr>
-        <p:spPr/>
-        <p:txBody>
-          <a:bodyPr/>
-          <a:lstStyle/>
-          <a:p>
-            <a:r>
-              <a:rPr lang="en-US" dirty="0" err="1"/>
-              <a:t>Rovnak</a:t>
-            </a:r>
-            <a:r>
-              <a:rPr lang="cs-CZ" dirty="0"/>
-              <a:t>á distribúcia internetovej komunikácie</a:t>
-            </a:r>
-          </a:p>
-          <a:p>
-            <a:r>
-              <a:rPr lang="cs-CZ" dirty="0"/>
-              <a:t>Od všetkých providerov</a:t>
-            </a:r>
-          </a:p>
-          <a:p>
-            <a:r>
-              <a:rPr lang="cs-CZ" dirty="0"/>
-              <a:t>Bez diskriminácie</a:t>
-            </a:r>
-          </a:p>
-          <a:p>
-            <a:r>
-              <a:rPr lang="cs-CZ" dirty="0"/>
-              <a:t>Bez zámerného spomaľovania</a:t>
-            </a:r>
-          </a:p>
-          <a:p>
-            <a:r>
-              <a:rPr lang="cs-CZ" dirty="0"/>
-              <a:t>Bez prioritizácie používateľa</a:t>
-            </a:r>
-          </a:p>
-          <a:p>
-            <a:r>
-              <a:rPr lang="cs-CZ" dirty="0"/>
-              <a:t>MEO</a:t>
-            </a:r>
-            <a:endParaRPr lang="en-US" dirty="0"/>
+          <p:cNvPr id="7" name="Obdĺžnik 5">
+            <a:extLst>
+              <a:ext uri="{FF2B5EF4-FFF2-40B4-BE49-F238E27FC236}">
+                <a16:creationId xmlns:a16="http://schemas.microsoft.com/office/drawing/2014/main" id="{C0B17C20-D0B1-4BA3-882F-FB89B99CBB5E}"/>
+              </a:ext>
+            </a:extLst>
+          </p:cNvPr>
+          <p:cNvSpPr/>
+          <p:nvPr/>
+        </p:nvSpPr>
+        <p:spPr>
+          <a:xfrm>
+            <a:off x="120074" y="108860"/>
+            <a:ext cx="11951832" cy="6640280"/>
+          </a:xfrm>
+          <a:prstGeom prst="rect">
+            <a:avLst/>
+          </a:prstGeom>
+          <a:solidFill>
+            <a:schemeClr val="bg1"/>
+          </a:solidFill>
+          <a:ln w="38100">
+            <a:solidFill>
+              <a:schemeClr val="accent1">
+                <a:lumMod val="75000"/>
+              </a:schemeClr>
+            </a:solidFill>
+          </a:ln>
+        </p:spPr>
+        <p:style>
+          <a:lnRef idx="2">
+            <a:schemeClr val="accent1">
+              <a:shade val="50000"/>
+            </a:schemeClr>
+          </a:lnRef>
+          <a:fillRef idx="1">
+            <a:schemeClr val="accent1"/>
+          </a:fillRef>
+          <a:effectRef idx="0">
+            <a:schemeClr val="accent1"/>
+          </a:effectRef>
+          <a:fontRef idx="minor">
+            <a:schemeClr val="lt1"/>
+          </a:fontRef>
+        </p:style>
+        <p:txBody>
+          <a:bodyPr rtlCol="0" anchor="ctr"/>
+          <a:lstStyle/>
+          <a:p>
+            <a:pPr algn="ctr"/>
+            <a:endParaRPr lang="sk-SK" dirty="0"/>
+          </a:p>
+        </p:txBody>
+      </p:sp>
+      <p:sp>
+        <p:nvSpPr>
+          <p:cNvPr id="4" name="TextBox 3">
+            <a:extLst>
+              <a:ext uri="{FF2B5EF4-FFF2-40B4-BE49-F238E27FC236}">
+                <a16:creationId xmlns:a16="http://schemas.microsoft.com/office/drawing/2014/main" id="{6D2474A7-810C-400D-A4CF-5C0649671725}"/>
+              </a:ext>
+            </a:extLst>
+          </p:cNvPr>
+          <p:cNvSpPr txBox="1"/>
+          <p:nvPr/>
+        </p:nvSpPr>
+        <p:spPr>
+          <a:xfrm>
+            <a:off x="1168923" y="928422"/>
+            <a:ext cx="5065426" cy="461665"/>
+          </a:xfrm>
+          <a:prstGeom prst="rect">
+            <a:avLst/>
+          </a:prstGeom>
+          <a:noFill/>
+        </p:spPr>
+        <p:txBody>
+          <a:bodyPr wrap="none" rtlCol="0">
+            <a:spAutoFit/>
+          </a:bodyPr>
+          <a:lstStyle/>
+          <a:p>
+            <a:r>
+              <a:rPr lang="cs-CZ" sz="2400" dirty="0"/>
+              <a:t>Ako môžu zákonníci ovplyvniť internet?</a:t>
+            </a:r>
+          </a:p>
+        </p:txBody>
+      </p:sp>
+      <p:sp>
+        <p:nvSpPr>
+          <p:cNvPr id="5" name="TextBox 4">
+            <a:extLst>
+              <a:ext uri="{FF2B5EF4-FFF2-40B4-BE49-F238E27FC236}">
+                <a16:creationId xmlns:a16="http://schemas.microsoft.com/office/drawing/2014/main" id="{67D3A574-A34E-49D3-A734-2C6CF876A42B}"/>
+              </a:ext>
+            </a:extLst>
+          </p:cNvPr>
+          <p:cNvSpPr txBox="1"/>
+          <p:nvPr/>
+        </p:nvSpPr>
+        <p:spPr>
+          <a:xfrm>
+            <a:off x="1451727" y="2921717"/>
+            <a:ext cx="8502977" cy="461665"/>
+          </a:xfrm>
+          <a:prstGeom prst="rect">
+            <a:avLst/>
+          </a:prstGeom>
+          <a:noFill/>
+        </p:spPr>
+        <p:txBody>
+          <a:bodyPr wrap="square" rtlCol="0">
+            <a:spAutoFit/>
+          </a:bodyPr>
+          <a:lstStyle/>
+          <a:p>
+            <a:r>
+              <a:rPr lang="cs-CZ" sz="2400" dirty="0"/>
+              <a:t>Ako regulovať internet aby všetci mali naňho rovnaké právo?</a:t>
+            </a:r>
+            <a:endParaRPr lang="en-US" sz="2400" dirty="0"/>
+          </a:p>
+        </p:txBody>
+      </p:sp>
+      <p:sp>
+        <p:nvSpPr>
+          <p:cNvPr id="6" name="TextBox 5">
+            <a:extLst>
+              <a:ext uri="{FF2B5EF4-FFF2-40B4-BE49-F238E27FC236}">
+                <a16:creationId xmlns:a16="http://schemas.microsoft.com/office/drawing/2014/main" id="{4E77D552-4079-4190-8FB8-BC7A9D00E674}"/>
+              </a:ext>
+            </a:extLst>
+          </p:cNvPr>
+          <p:cNvSpPr txBox="1"/>
+          <p:nvPr/>
+        </p:nvSpPr>
+        <p:spPr>
+          <a:xfrm>
+            <a:off x="4976072" y="1897787"/>
+            <a:ext cx="6637907" cy="461665"/>
+          </a:xfrm>
+          <a:prstGeom prst="rect">
+            <a:avLst/>
+          </a:prstGeom>
+          <a:noFill/>
+        </p:spPr>
+        <p:txBody>
+          <a:bodyPr wrap="none" rtlCol="0">
+            <a:spAutoFit/>
+          </a:bodyPr>
+          <a:lstStyle/>
+          <a:p>
+            <a:r>
+              <a:rPr lang="cs-CZ" sz="2400" dirty="0"/>
+              <a:t>Môžeme zabrániť rozširovaniu falošných informácii?</a:t>
+            </a:r>
+            <a:endParaRPr lang="en-US" sz="2400" dirty="0"/>
           </a:p>
         </p:txBody>
       </p:sp>
       <p:pic>
         <p:nvPicPr>
-          <p:cNvPr id="1026" name="Picture 2">
-            <a:extLst>
-              <a:ext uri="{FF2B5EF4-FFF2-40B4-BE49-F238E27FC236}">
-                <a16:creationId xmlns:a16="http://schemas.microsoft.com/office/drawing/2014/main" id="{7FD0513C-7FD9-4FAF-889B-B40ED8882B08}"/>
+          <p:cNvPr id="8" name="Picture 2" descr="Súvisiaci obrázok">
+            <a:extLst>
+              <a:ext uri="{FF2B5EF4-FFF2-40B4-BE49-F238E27FC236}">
+                <a16:creationId xmlns:a16="http://schemas.microsoft.com/office/drawing/2014/main" id="{38005F49-D9A7-4830-9173-AD094F9B9907}"/>
               </a:ext>
             </a:extLst>
           </p:cNvPr>
@@ -4026,15 +4730,14 @@
               </a:ext>
             </a:extLst>
           </a:blip>
-          <a:srcRect/>
           <a:stretch>
             <a:fillRect/>
           </a:stretch>
         </p:blipFill>
         <p:spPr bwMode="auto">
           <a:xfrm>
-            <a:off x="2089583" y="4366284"/>
-            <a:ext cx="3320618" cy="2191608"/>
+            <a:off x="10858522" y="6267997"/>
+            <a:ext cx="1150049" cy="376643"/>
           </a:xfrm>
           <a:prstGeom prst="rect">
             <a:avLst/>
@@ -4051,57 +4754,82 @@
           </a:extLst>
         </p:spPr>
       </p:pic>
-      <p:pic>
-        <p:nvPicPr>
-          <p:cNvPr id="1030" name="Picture 6" descr="Image result for net neutrality">
-            <a:extLst>
-              <a:ext uri="{FF2B5EF4-FFF2-40B4-BE49-F238E27FC236}">
-                <a16:creationId xmlns:a16="http://schemas.microsoft.com/office/drawing/2014/main" id="{0BBD02B5-0AEC-456F-8490-D95E9432A512}"/>
-              </a:ext>
-            </a:extLst>
-          </p:cNvPr>
-          <p:cNvPicPr>
-            <a:picLocks noChangeAspect="1" noChangeArrowheads="1"/>
-          </p:cNvPicPr>
+      <p:sp>
+        <p:nvSpPr>
+          <p:cNvPr id="9" name="TextBox 8">
+            <a:extLst>
+              <a:ext uri="{FF2B5EF4-FFF2-40B4-BE49-F238E27FC236}">
+                <a16:creationId xmlns:a16="http://schemas.microsoft.com/office/drawing/2014/main" id="{71634760-BD9E-4084-B506-E0EA3D0495A9}"/>
+              </a:ext>
+            </a:extLst>
+          </p:cNvPr>
+          <p:cNvSpPr txBox="1"/>
           <p:nvPr/>
-        </p:nvPicPr>
-        <p:blipFill>
-          <a:blip r:embed="rId3">
-            <a:extLst>
-              <a:ext uri="{28A0092B-C50C-407E-A947-70E740481C1C}">
-                <a14:useLocalDpi xmlns:a14="http://schemas.microsoft.com/office/drawing/2010/main" val="0"/>
-              </a:ext>
-            </a:extLst>
-          </a:blip>
-          <a:srcRect/>
-          <a:stretch>
-            <a:fillRect/>
-          </a:stretch>
-        </p:blipFill>
-        <p:spPr bwMode="auto">
+        </p:nvSpPr>
+        <p:spPr>
           <a:xfrm>
-            <a:off x="6296026" y="2553476"/>
-            <a:ext cx="4798003" cy="2933154"/>
+            <a:off x="518473" y="5242930"/>
+            <a:ext cx="8915197" cy="461665"/>
           </a:xfrm>
           <a:prstGeom prst="rect">
             <a:avLst/>
           </a:prstGeom>
           <a:noFill/>
-          <a:extLst>
-            <a:ext uri="{909E8E84-426E-40DD-AFC4-6F175D3DCCD1}">
-              <a14:hiddenFill xmlns:a14="http://schemas.microsoft.com/office/drawing/2010/main">
-                <a:solidFill>
-                  <a:srgbClr val="FFFFFF"/>
-                </a:solidFill>
-              </a14:hiddenFill>
-            </a:ext>
-          </a:extLst>
-        </p:spPr>
-      </p:pic>
+        </p:spPr>
+        <p:txBody>
+          <a:bodyPr wrap="none" rtlCol="0">
+            <a:spAutoFit/>
+          </a:bodyPr>
+          <a:lstStyle/>
+          <a:p>
+            <a:r>
+              <a:rPr lang="cs-CZ" sz="2400" dirty="0"/>
+              <a:t>Prečo môžu dať zákony veľkým firmám úplnú kontrolu nad internetom</a:t>
+            </a:r>
+            <a:endParaRPr lang="en-US" sz="2400" dirty="0"/>
+          </a:p>
+        </p:txBody>
+      </p:sp>
+      <p:sp>
+        <p:nvSpPr>
+          <p:cNvPr id="10" name="TextBox 9">
+            <a:extLst>
+              <a:ext uri="{FF2B5EF4-FFF2-40B4-BE49-F238E27FC236}">
+                <a16:creationId xmlns:a16="http://schemas.microsoft.com/office/drawing/2014/main" id="{983E6F53-2408-4818-8378-2EAECCFC6F4C}"/>
+              </a:ext>
+            </a:extLst>
+          </p:cNvPr>
+          <p:cNvSpPr txBox="1"/>
+          <p:nvPr/>
+        </p:nvSpPr>
+        <p:spPr>
+          <a:xfrm>
+            <a:off x="3799002" y="4154691"/>
+            <a:ext cx="7979557" cy="461665"/>
+          </a:xfrm>
+          <a:prstGeom prst="rect">
+            <a:avLst/>
+          </a:prstGeom>
+          <a:noFill/>
+        </p:spPr>
+        <p:txBody>
+          <a:bodyPr wrap="none" rtlCol="0">
+            <a:spAutoFit/>
+          </a:bodyPr>
+          <a:lstStyle/>
+          <a:p>
+            <a:r>
+              <a:rPr lang="cs-CZ" sz="2400" dirty="0"/>
+              <a:t>Dokážu moderné technológie ľahko ovplyvniť verejnú mienku?</a:t>
+            </a:r>
+            <a:endParaRPr lang="en-US" sz="2400" dirty="0"/>
+          </a:p>
+        </p:txBody>
+      </p:sp>
     </p:spTree>
     <p:extLst>
       <p:ext uri="{BB962C8B-B14F-4D97-AF65-F5344CB8AC3E}">
-        <p14:creationId xmlns:p14="http://schemas.microsoft.com/office/powerpoint/2010/main" val="4042865363"/>
+        <p14:creationId xmlns:p14="http://schemas.microsoft.com/office/powerpoint/2010/main" val="61021498"/>
       </p:ext>
     </p:extLst>
   </p:cSld>
@@ -4130,10 +4858,66 @@
       </p:grpSpPr>
       <p:sp>
         <p:nvSpPr>
-          <p:cNvPr id="2" name="Title 1">
-            <a:extLst>
-              <a:ext uri="{FF2B5EF4-FFF2-40B4-BE49-F238E27FC236}">
-                <a16:creationId xmlns:a16="http://schemas.microsoft.com/office/drawing/2014/main" id="{396EC039-3E30-4CD1-B5B0-D82AB3E6DAFA}"/>
+          <p:cNvPr id="6" name="Obdĺžnik 5">
+            <a:extLst>
+              <a:ext uri="{FF2B5EF4-FFF2-40B4-BE49-F238E27FC236}">
+                <a16:creationId xmlns:a16="http://schemas.microsoft.com/office/drawing/2014/main" id="{CC692B29-05EF-4D22-A150-BB130218726E}"/>
+              </a:ext>
+            </a:extLst>
+          </p:cNvPr>
+          <p:cNvSpPr/>
+          <p:nvPr/>
+        </p:nvSpPr>
+        <p:spPr>
+          <a:xfrm>
+            <a:off x="120074" y="108860"/>
+            <a:ext cx="11951832" cy="6640280"/>
+          </a:xfrm>
+          <a:prstGeom prst="rect">
+            <a:avLst/>
+          </a:prstGeom>
+          <a:solidFill>
+            <a:schemeClr val="bg1"/>
+          </a:solidFill>
+          <a:ln w="38100">
+            <a:solidFill>
+              <a:schemeClr val="accent1">
+                <a:lumMod val="75000"/>
+              </a:schemeClr>
+            </a:solidFill>
+          </a:ln>
+        </p:spPr>
+        <p:style>
+          <a:lnRef idx="2">
+            <a:schemeClr val="accent1">
+              <a:shade val="50000"/>
+            </a:schemeClr>
+          </a:lnRef>
+          <a:fillRef idx="1">
+            <a:schemeClr val="accent1"/>
+          </a:fillRef>
+          <a:effectRef idx="0">
+            <a:schemeClr val="accent1"/>
+          </a:effectRef>
+          <a:fontRef idx="minor">
+            <a:schemeClr val="lt1"/>
+          </a:fontRef>
+        </p:style>
+        <p:txBody>
+          <a:bodyPr rtlCol="0" anchor="ctr"/>
+          <a:lstStyle/>
+          <a:p>
+            <a:pPr algn="ctr"/>
+            <a:endParaRPr lang="sk-SK" dirty="0"/>
+          </a:p>
+        </p:txBody>
+      </p:sp>
+      <p:sp>
+        <p:nvSpPr>
+          <p:cNvPr id="4" name="Title 1">
+            <a:extLst>
+              <a:ext uri="{FF2B5EF4-FFF2-40B4-BE49-F238E27FC236}">
+                <a16:creationId xmlns:a16="http://schemas.microsoft.com/office/drawing/2014/main" id="{B2556E03-4892-4103-918A-83CA66F0FEB8}"/>
               </a:ext>
             </a:extLst>
           </p:cNvPr>
@@ -4144,100 +4928,101 @@
             <p:ph type="title"/>
           </p:nvPr>
         </p:nvSpPr>
-        <p:spPr/>
-        <p:txBody>
-          <a:bodyPr/>
-          <a:lstStyle/>
-          <a:p>
-            <a:r>
-              <a:rPr lang="cs-CZ" dirty="0"/>
-              <a:t>Iné štáty</a:t>
-            </a:r>
-            <a:endParaRPr lang="en-US" dirty="0"/>
-          </a:p>
-        </p:txBody>
-      </p:sp>
-      <p:sp>
-        <p:nvSpPr>
-          <p:cNvPr id="3" name="Content Placeholder 2">
-            <a:extLst>
-              <a:ext uri="{FF2B5EF4-FFF2-40B4-BE49-F238E27FC236}">
-                <a16:creationId xmlns:a16="http://schemas.microsoft.com/office/drawing/2014/main" id="{F591AB13-842B-4AE1-BA06-6FDC26C4DEE4}"/>
-              </a:ext>
-            </a:extLst>
-          </p:cNvPr>
-          <p:cNvSpPr>
-            <a:spLocks noGrp="1"/>
-          </p:cNvSpPr>
-          <p:nvPr>
-            <p:ph idx="1"/>
-          </p:nvPr>
-        </p:nvSpPr>
-        <p:spPr/>
-        <p:txBody>
-          <a:bodyPr/>
-          <a:lstStyle/>
-          <a:p>
-            <a:r>
-              <a:rPr lang="cs-CZ" dirty="0"/>
-              <a:t>India</a:t>
-            </a:r>
-          </a:p>
-          <a:p>
-            <a:pPr lvl="1"/>
-            <a:r>
-              <a:rPr lang="cs-CZ" dirty="0"/>
-              <a:t>Najnovšie regulácie (2018)</a:t>
-            </a:r>
-          </a:p>
-          <a:p>
-            <a:pPr lvl="1"/>
-            <a:r>
-              <a:rPr lang="cs-CZ" dirty="0"/>
-              <a:t>Najvoľnejší internet vo svete</a:t>
-            </a:r>
-          </a:p>
-          <a:p>
-            <a:r>
-              <a:rPr lang="cs-CZ" dirty="0"/>
-              <a:t>U.S.A.</a:t>
-            </a:r>
-          </a:p>
-          <a:p>
-            <a:pPr lvl="1"/>
-            <a:r>
-              <a:rPr lang="cs-CZ" dirty="0"/>
-              <a:t>Všeobecné komunikačné regulácie (1934)</a:t>
-            </a:r>
-          </a:p>
-          <a:p>
-            <a:pPr lvl="1"/>
-            <a:r>
-              <a:rPr lang="en-US" dirty="0"/>
-              <a:t>“Net neutrality act” v </a:t>
-            </a:r>
-            <a:r>
-              <a:rPr lang="en-US" dirty="0" err="1"/>
-              <a:t>Californii</a:t>
-            </a:r>
-            <a:endParaRPr lang="en-US" dirty="0"/>
-          </a:p>
-          <a:p>
-            <a:pPr marL="457200" lvl="1" indent="0">
-              <a:buNone/>
-            </a:pPr>
-            <a:endParaRPr lang="cs-CZ" dirty="0"/>
-          </a:p>
-          <a:p>
-            <a:pPr lvl="1"/>
-            <a:endParaRPr lang="en-US" dirty="0"/>
-          </a:p>
-        </p:txBody>
-      </p:sp>
+        <p:spPr>
+          <a:xfrm>
+            <a:off x="1011790" y="3016577"/>
+            <a:ext cx="10168400" cy="983922"/>
+          </a:xfrm>
+        </p:spPr>
+        <p:txBody>
+          <a:bodyPr>
+            <a:normAutofit fontScale="90000"/>
+          </a:bodyPr>
+          <a:lstStyle/>
+          <a:p>
+            <a:pPr algn="ctr"/>
+            <a:r>
+              <a:rPr lang="cs-CZ" b="1" dirty="0"/>
+              <a:t>Prečo je zachovanie </a:t>
+            </a:r>
+            <a:r>
+              <a:rPr lang="en-US" b="1" dirty="0"/>
+              <a:t>“</a:t>
+            </a:r>
+            <a:r>
+              <a:rPr lang="cs-CZ" b="1" dirty="0">
+                <a:solidFill>
+                  <a:srgbClr val="0070C0"/>
+                </a:solidFill>
+              </a:rPr>
+              <a:t>NET NEUTRALITY</a:t>
+            </a:r>
+            <a:r>
+              <a:rPr lang="en-US" b="1" dirty="0"/>
+              <a:t>”</a:t>
+            </a:r>
+            <a:r>
+              <a:rPr lang="cs-CZ" b="1" dirty="0"/>
+              <a:t> dôležité?</a:t>
+            </a:r>
+            <a:endParaRPr lang="sk-SK" b="1" dirty="0">
+              <a:solidFill>
+                <a:schemeClr val="accent1"/>
+              </a:solidFill>
+            </a:endParaRPr>
+          </a:p>
+        </p:txBody>
+      </p:sp>
+      <p:pic>
+        <p:nvPicPr>
+          <p:cNvPr id="5" name="Picture 2" descr="Súvisiaci obrázok">
+            <a:extLst>
+              <a:ext uri="{FF2B5EF4-FFF2-40B4-BE49-F238E27FC236}">
+                <a16:creationId xmlns:a16="http://schemas.microsoft.com/office/drawing/2014/main" id="{520877C3-5457-491B-95DD-1BBAAEE8A9B5}"/>
+              </a:ext>
+            </a:extLst>
+          </p:cNvPr>
+          <p:cNvPicPr>
+            <a:picLocks noChangeAspect="1" noChangeArrowheads="1"/>
+          </p:cNvPicPr>
+          <p:nvPr/>
+        </p:nvPicPr>
+        <p:blipFill>
+          <a:blip r:embed="rId2">
+            <a:extLst>
+              <a:ext uri="{28A0092B-C50C-407E-A947-70E740481C1C}">
+                <a14:useLocalDpi xmlns:a14="http://schemas.microsoft.com/office/drawing/2010/main" val="0"/>
+              </a:ext>
+            </a:extLst>
+          </a:blip>
+          <a:stretch>
+            <a:fillRect/>
+          </a:stretch>
+        </p:blipFill>
+        <p:spPr bwMode="auto">
+          <a:xfrm>
+            <a:off x="10858522" y="6267997"/>
+            <a:ext cx="1150049" cy="376643"/>
+          </a:xfrm>
+          <a:prstGeom prst="rect">
+            <a:avLst/>
+          </a:prstGeom>
+          <a:noFill/>
+          <a:extLst>
+            <a:ext uri="{909E8E84-426E-40DD-AFC4-6F175D3DCCD1}">
+              <a14:hiddenFill xmlns:a14="http://schemas.microsoft.com/office/drawing/2010/main">
+                <a:solidFill>
+                  <a:srgbClr val="FFFFFF"/>
+                </a:solidFill>
+              </a14:hiddenFill>
+            </a:ext>
+          </a:extLst>
+        </p:spPr>
+      </p:pic>
     </p:spTree>
     <p:extLst>
       <p:ext uri="{BB962C8B-B14F-4D97-AF65-F5344CB8AC3E}">
-        <p14:creationId xmlns:p14="http://schemas.microsoft.com/office/powerpoint/2010/main" val="1797306061"/>
+        <p14:creationId xmlns:p14="http://schemas.microsoft.com/office/powerpoint/2010/main" val="4224469800"/>
       </p:ext>
     </p:extLst>
   </p:cSld>
@@ -4266,10 +5051,66 @@
       </p:grpSpPr>
       <p:sp>
         <p:nvSpPr>
+          <p:cNvPr id="10" name="Obdĺžnik 5">
+            <a:extLst>
+              <a:ext uri="{FF2B5EF4-FFF2-40B4-BE49-F238E27FC236}">
+                <a16:creationId xmlns:a16="http://schemas.microsoft.com/office/drawing/2014/main" id="{457C02E5-BF72-4F4D-B611-7E9BB495D626}"/>
+              </a:ext>
+            </a:extLst>
+          </p:cNvPr>
+          <p:cNvSpPr/>
+          <p:nvPr/>
+        </p:nvSpPr>
+        <p:spPr>
+          <a:xfrm>
+            <a:off x="120074" y="108860"/>
+            <a:ext cx="11951832" cy="6640280"/>
+          </a:xfrm>
+          <a:prstGeom prst="rect">
+            <a:avLst/>
+          </a:prstGeom>
+          <a:solidFill>
+            <a:schemeClr val="bg1"/>
+          </a:solidFill>
+          <a:ln w="38100">
+            <a:solidFill>
+              <a:schemeClr val="accent1">
+                <a:lumMod val="75000"/>
+              </a:schemeClr>
+            </a:solidFill>
+          </a:ln>
+        </p:spPr>
+        <p:style>
+          <a:lnRef idx="2">
+            <a:schemeClr val="accent1">
+              <a:shade val="50000"/>
+            </a:schemeClr>
+          </a:lnRef>
+          <a:fillRef idx="1">
+            <a:schemeClr val="accent1"/>
+          </a:fillRef>
+          <a:effectRef idx="0">
+            <a:schemeClr val="accent1"/>
+          </a:effectRef>
+          <a:fontRef idx="minor">
+            <a:schemeClr val="lt1"/>
+          </a:fontRef>
+        </p:style>
+        <p:txBody>
+          <a:bodyPr rtlCol="0" anchor="ctr"/>
+          <a:lstStyle/>
+          <a:p>
+            <a:pPr algn="ctr"/>
+            <a:endParaRPr lang="sk-SK" dirty="0"/>
+          </a:p>
+        </p:txBody>
+      </p:sp>
+      <p:sp>
+        <p:nvSpPr>
           <p:cNvPr id="2" name="Title 1">
             <a:extLst>
               <a:ext uri="{FF2B5EF4-FFF2-40B4-BE49-F238E27FC236}">
-                <a16:creationId xmlns:a16="http://schemas.microsoft.com/office/drawing/2014/main" id="{290339F9-81BB-4184-9D80-528BE2B6D0E6}"/>
+                <a16:creationId xmlns:a16="http://schemas.microsoft.com/office/drawing/2014/main" id="{E569CC56-658D-4F8C-AE01-C80188EC840F}"/>
               </a:ext>
             </a:extLst>
           </p:cNvPr>
@@ -4280,16 +5121,42 @@
             <p:ph type="title"/>
           </p:nvPr>
         </p:nvSpPr>
-        <p:spPr/>
-        <p:txBody>
-          <a:bodyPr/>
-          <a:lstStyle/>
-          <a:p>
-            <a:r>
-              <a:rPr lang="en-US" dirty="0" err="1"/>
-              <a:t>Obmedzovanie</a:t>
-            </a:r>
-            <a:endParaRPr lang="en-US" dirty="0"/>
+        <p:spPr>
+          <a:xfrm>
+            <a:off x="2893243" y="395562"/>
+            <a:ext cx="10515600" cy="1325563"/>
+          </a:xfrm>
+        </p:spPr>
+        <p:txBody>
+          <a:bodyPr>
+            <a:normAutofit/>
+          </a:bodyPr>
+          <a:lstStyle/>
+          <a:p>
+            <a:r>
+              <a:rPr lang="en-US" sz="4800" b="1" dirty="0">
+                <a:solidFill>
+                  <a:srgbClr val="FF0000"/>
+                </a:solidFill>
+              </a:rPr>
+              <a:t>“</a:t>
+            </a:r>
+            <a:r>
+              <a:rPr lang="cs-CZ" sz="4800" b="1" dirty="0">
+                <a:solidFill>
+                  <a:srgbClr val="FF0000"/>
+                </a:solidFill>
+              </a:rPr>
+              <a:t>Net neutrality</a:t>
+            </a:r>
+            <a:r>
+              <a:rPr lang="en-US" sz="4800" b="1" dirty="0">
+                <a:solidFill>
+                  <a:srgbClr val="FF0000"/>
+                </a:solidFill>
+              </a:rPr>
+              <a:t>”</a:t>
+            </a:r>
           </a:p>
         </p:txBody>
       </p:sp>
@@ -4298,7 +5165,7 @@
           <p:cNvPr id="3" name="Content Placeholder 2">
             <a:extLst>
               <a:ext uri="{FF2B5EF4-FFF2-40B4-BE49-F238E27FC236}">
-                <a16:creationId xmlns:a16="http://schemas.microsoft.com/office/drawing/2014/main" id="{CB2FD44F-0F08-4AB1-AFAA-2A173FB3C5EA}"/>
+                <a16:creationId xmlns:a16="http://schemas.microsoft.com/office/drawing/2014/main" id="{16898CC8-47C5-4DE5-B4F4-2EC3A521BCBC}"/>
               </a:ext>
             </a:extLst>
           </p:cNvPr>
@@ -4309,60 +5176,247 @@
             <p:ph idx="1"/>
           </p:nvPr>
         </p:nvSpPr>
-        <p:spPr/>
-        <p:txBody>
-          <a:bodyPr/>
-          <a:lstStyle/>
-          <a:p>
-            <a:r>
-              <a:rPr lang="en-US" dirty="0"/>
-              <a:t>BEREC</a:t>
-            </a:r>
-            <a:endParaRPr lang="cs-CZ" dirty="0"/>
-          </a:p>
-          <a:p>
-            <a:r>
-              <a:rPr lang="cs-CZ" dirty="0"/>
-              <a:t>IAP a ISP</a:t>
-            </a:r>
-            <a:endParaRPr lang="en-US" dirty="0"/>
-          </a:p>
-          <a:p>
-            <a:r>
-              <a:rPr lang="en-US" dirty="0" err="1"/>
-              <a:t>Aktu</a:t>
-            </a:r>
-            <a:r>
-              <a:rPr lang="cs-CZ" dirty="0"/>
-              <a:t>álne minimálne pravidlá</a:t>
-            </a:r>
-          </a:p>
-          <a:p>
-            <a:pPr lvl="1"/>
-            <a:r>
-              <a:rPr lang="cs-CZ" dirty="0"/>
-              <a:t>Obmedzenia možné mimo verejných sietí</a:t>
-            </a:r>
-          </a:p>
-          <a:p>
-            <a:pPr lvl="1"/>
-            <a:r>
-              <a:rPr lang="cs-CZ" dirty="0"/>
-              <a:t>Provideri nemôžu ovplyvňovať tok internetu</a:t>
-            </a:r>
-          </a:p>
-          <a:p>
-            <a:endParaRPr lang="en-US" dirty="0"/>
-          </a:p>
-          <a:p>
-            <a:endParaRPr lang="en-US" dirty="0"/>
-          </a:p>
-        </p:txBody>
-      </p:sp>
+        <p:spPr>
+          <a:xfrm>
+            <a:off x="612189" y="5710667"/>
+            <a:ext cx="7042376" cy="641220"/>
+          </a:xfrm>
+        </p:spPr>
+        <p:txBody>
+          <a:bodyPr>
+            <a:normAutofit/>
+          </a:bodyPr>
+          <a:lstStyle/>
+          <a:p>
+            <a:pPr marL="0" indent="0">
+              <a:buNone/>
+            </a:pPr>
+            <a:r>
+              <a:rPr lang="en-US" b="1" dirty="0" err="1">
+                <a:solidFill>
+                  <a:schemeClr val="accent6">
+                    <a:lumMod val="75000"/>
+                  </a:schemeClr>
+                </a:solidFill>
+              </a:rPr>
+              <a:t>Rovnak</a:t>
+            </a:r>
+            <a:r>
+              <a:rPr lang="cs-CZ" b="1" dirty="0">
+                <a:solidFill>
+                  <a:schemeClr val="accent6">
+                    <a:lumMod val="75000"/>
+                  </a:schemeClr>
+                </a:solidFill>
+              </a:rPr>
+              <a:t>á</a:t>
+            </a:r>
+            <a:r>
+              <a:rPr lang="cs-CZ" b="1" dirty="0"/>
+              <a:t> distribúcia </a:t>
+            </a:r>
+            <a:r>
+              <a:rPr lang="cs-CZ" b="1" dirty="0">
+                <a:solidFill>
+                  <a:srgbClr val="FF0000"/>
+                </a:solidFill>
+              </a:rPr>
+              <a:t>internetovej komunikácie</a:t>
+            </a:r>
+          </a:p>
+        </p:txBody>
+      </p:sp>
+      <p:pic>
+        <p:nvPicPr>
+          <p:cNvPr id="6" name="Picture 6" descr="Image result for net neutrality">
+            <a:extLst>
+              <a:ext uri="{FF2B5EF4-FFF2-40B4-BE49-F238E27FC236}">
+                <a16:creationId xmlns:a16="http://schemas.microsoft.com/office/drawing/2014/main" id="{5B26237B-BF60-4DA8-8CCA-6CFB0F1E8402}"/>
+              </a:ext>
+            </a:extLst>
+          </p:cNvPr>
+          <p:cNvPicPr>
+            <a:picLocks noChangeAspect="1" noChangeArrowheads="1"/>
+          </p:cNvPicPr>
+          <p:nvPr/>
+        </p:nvPicPr>
+        <p:blipFill>
+          <a:blip r:embed="rId3">
+            <a:extLst>
+              <a:ext uri="{28A0092B-C50C-407E-A947-70E740481C1C}">
+                <a14:useLocalDpi xmlns:a14="http://schemas.microsoft.com/office/drawing/2010/main" val="0"/>
+              </a:ext>
+            </a:extLst>
+          </a:blip>
+          <a:srcRect/>
+          <a:stretch>
+            <a:fillRect/>
+          </a:stretch>
+        </p:blipFill>
+        <p:spPr bwMode="auto">
+          <a:xfrm>
+            <a:off x="3291806" y="1975737"/>
+            <a:ext cx="5608368" cy="3428553"/>
+          </a:xfrm>
+          <a:prstGeom prst="rect">
+            <a:avLst/>
+          </a:prstGeom>
+          <a:noFill/>
+          <a:extLst>
+            <a:ext uri="{909E8E84-426E-40DD-AFC4-6F175D3DCCD1}">
+              <a14:hiddenFill xmlns:a14="http://schemas.microsoft.com/office/drawing/2010/main">
+                <a:solidFill>
+                  <a:srgbClr val="FFFFFF"/>
+                </a:solidFill>
+              </a14:hiddenFill>
+            </a:ext>
+          </a:extLst>
+        </p:spPr>
+      </p:pic>
+      <p:pic>
+        <p:nvPicPr>
+          <p:cNvPr id="1026" name="Picture 2">
+            <a:extLst>
+              <a:ext uri="{FF2B5EF4-FFF2-40B4-BE49-F238E27FC236}">
+                <a16:creationId xmlns:a16="http://schemas.microsoft.com/office/drawing/2014/main" id="{7FD0513C-7FD9-4FAF-889B-B40ED8882B08}"/>
+              </a:ext>
+            </a:extLst>
+          </p:cNvPr>
+          <p:cNvPicPr>
+            <a:picLocks noChangeAspect="1" noChangeArrowheads="1"/>
+          </p:cNvPicPr>
+          <p:nvPr/>
+        </p:nvPicPr>
+        <p:blipFill>
+          <a:blip r:embed="rId4">
+            <a:extLst>
+              <a:ext uri="{28A0092B-C50C-407E-A947-70E740481C1C}">
+                <a14:useLocalDpi xmlns:a14="http://schemas.microsoft.com/office/drawing/2010/main" val="0"/>
+              </a:ext>
+            </a:extLst>
+          </a:blip>
+          <a:srcRect/>
+          <a:stretch>
+            <a:fillRect/>
+          </a:stretch>
+        </p:blipFill>
+        <p:spPr bwMode="auto">
+          <a:xfrm rot="21210286">
+            <a:off x="7908333" y="3391429"/>
+            <a:ext cx="3320618" cy="2191608"/>
+          </a:xfrm>
+          <a:prstGeom prst="rect">
+            <a:avLst/>
+          </a:prstGeom>
+          <a:noFill/>
+          <a:extLst>
+            <a:ext uri="{909E8E84-426E-40DD-AFC4-6F175D3DCCD1}">
+              <a14:hiddenFill xmlns:a14="http://schemas.microsoft.com/office/drawing/2010/main">
+                <a:solidFill>
+                  <a:srgbClr val="FFFFFF"/>
+                </a:solidFill>
+              </a14:hiddenFill>
+            </a:ext>
+          </a:extLst>
+        </p:spPr>
+      </p:pic>
+      <p:pic>
+        <p:nvPicPr>
+          <p:cNvPr id="2050" name="Picture 2" descr="Image result for net neutrality">
+            <a:extLst>
+              <a:ext uri="{FF2B5EF4-FFF2-40B4-BE49-F238E27FC236}">
+                <a16:creationId xmlns:a16="http://schemas.microsoft.com/office/drawing/2014/main" id="{4EF4912C-4B12-46D1-9C8A-FA32412ACBB3}"/>
+              </a:ext>
+            </a:extLst>
+          </p:cNvPr>
+          <p:cNvPicPr>
+            <a:picLocks noChangeAspect="1" noChangeArrowheads="1"/>
+          </p:cNvPicPr>
+          <p:nvPr/>
+        </p:nvPicPr>
+        <p:blipFill>
+          <a:blip r:embed="rId5">
+            <a:extLst>
+              <a:ext uri="{28A0092B-C50C-407E-A947-70E740481C1C}">
+                <a14:useLocalDpi xmlns:a14="http://schemas.microsoft.com/office/drawing/2010/main" val="0"/>
+              </a:ext>
+            </a:extLst>
+          </a:blip>
+          <a:srcRect/>
+          <a:stretch>
+            <a:fillRect/>
+          </a:stretch>
+        </p:blipFill>
+        <p:spPr bwMode="auto">
+          <a:xfrm rot="1546588">
+            <a:off x="693216" y="2739093"/>
+            <a:ext cx="3458877" cy="1917661"/>
+          </a:xfrm>
+          <a:prstGeom prst="rect">
+            <a:avLst/>
+          </a:prstGeom>
+          <a:noFill/>
+          <a:extLst>
+            <a:ext uri="{909E8E84-426E-40DD-AFC4-6F175D3DCCD1}">
+              <a14:hiddenFill xmlns:a14="http://schemas.microsoft.com/office/drawing/2010/main">
+                <a:solidFill>
+                  <a:srgbClr val="FFFFFF"/>
+                </a:solidFill>
+              </a14:hiddenFill>
+            </a:ext>
+          </a:extLst>
+        </p:spPr>
+      </p:pic>
+      <p:pic>
+        <p:nvPicPr>
+          <p:cNvPr id="9" name="Picture 2" descr="Súvisiaci obrázok">
+            <a:extLst>
+              <a:ext uri="{FF2B5EF4-FFF2-40B4-BE49-F238E27FC236}">
+                <a16:creationId xmlns:a16="http://schemas.microsoft.com/office/drawing/2014/main" id="{7E31340F-BFE0-4C17-B3FB-ED13EF89CD57}"/>
+              </a:ext>
+            </a:extLst>
+          </p:cNvPr>
+          <p:cNvPicPr>
+            <a:picLocks noChangeAspect="1" noChangeArrowheads="1"/>
+          </p:cNvPicPr>
+          <p:nvPr/>
+        </p:nvPicPr>
+        <p:blipFill>
+          <a:blip r:embed="rId6">
+            <a:extLst>
+              <a:ext uri="{28A0092B-C50C-407E-A947-70E740481C1C}">
+                <a14:useLocalDpi xmlns:a14="http://schemas.microsoft.com/office/drawing/2010/main" val="0"/>
+              </a:ext>
+            </a:extLst>
+          </a:blip>
+          <a:stretch>
+            <a:fillRect/>
+          </a:stretch>
+        </p:blipFill>
+        <p:spPr bwMode="auto">
+          <a:xfrm>
+            <a:off x="10858522" y="6267997"/>
+            <a:ext cx="1150049" cy="376643"/>
+          </a:xfrm>
+          <a:prstGeom prst="rect">
+            <a:avLst/>
+          </a:prstGeom>
+          <a:noFill/>
+          <a:extLst>
+            <a:ext uri="{909E8E84-426E-40DD-AFC4-6F175D3DCCD1}">
+              <a14:hiddenFill xmlns:a14="http://schemas.microsoft.com/office/drawing/2010/main">
+                <a:solidFill>
+                  <a:srgbClr val="FFFFFF"/>
+                </a:solidFill>
+              </a14:hiddenFill>
+            </a:ext>
+          </a:extLst>
+        </p:spPr>
+      </p:pic>
     </p:spTree>
     <p:extLst>
       <p:ext uri="{BB962C8B-B14F-4D97-AF65-F5344CB8AC3E}">
-        <p14:creationId xmlns:p14="http://schemas.microsoft.com/office/powerpoint/2010/main" val="1863815182"/>
+        <p14:creationId xmlns:p14="http://schemas.microsoft.com/office/powerpoint/2010/main" val="4042865363"/>
       </p:ext>
     </p:extLst>
   </p:cSld>
@@ -4391,10 +5445,66 @@
       </p:grpSpPr>
       <p:sp>
         <p:nvSpPr>
-          <p:cNvPr id="2" name="Title 1">
-            <a:extLst>
-              <a:ext uri="{FF2B5EF4-FFF2-40B4-BE49-F238E27FC236}">
-                <a16:creationId xmlns:a16="http://schemas.microsoft.com/office/drawing/2014/main" id="{57B16DA1-E704-4CA4-922C-505DCDDD5CE0}"/>
+          <p:cNvPr id="6" name="Obdĺžnik 5">
+            <a:extLst>
+              <a:ext uri="{FF2B5EF4-FFF2-40B4-BE49-F238E27FC236}">
+                <a16:creationId xmlns:a16="http://schemas.microsoft.com/office/drawing/2014/main" id="{CC692B29-05EF-4D22-A150-BB130218726E}"/>
+              </a:ext>
+            </a:extLst>
+          </p:cNvPr>
+          <p:cNvSpPr/>
+          <p:nvPr/>
+        </p:nvSpPr>
+        <p:spPr>
+          <a:xfrm>
+            <a:off x="120074" y="108860"/>
+            <a:ext cx="11951832" cy="6640280"/>
+          </a:xfrm>
+          <a:prstGeom prst="rect">
+            <a:avLst/>
+          </a:prstGeom>
+          <a:solidFill>
+            <a:schemeClr val="bg1"/>
+          </a:solidFill>
+          <a:ln w="38100">
+            <a:solidFill>
+              <a:schemeClr val="accent1">
+                <a:lumMod val="75000"/>
+              </a:schemeClr>
+            </a:solidFill>
+          </a:ln>
+        </p:spPr>
+        <p:style>
+          <a:lnRef idx="2">
+            <a:schemeClr val="accent1">
+              <a:shade val="50000"/>
+            </a:schemeClr>
+          </a:lnRef>
+          <a:fillRef idx="1">
+            <a:schemeClr val="accent1"/>
+          </a:fillRef>
+          <a:effectRef idx="0">
+            <a:schemeClr val="accent1"/>
+          </a:effectRef>
+          <a:fontRef idx="minor">
+            <a:schemeClr val="lt1"/>
+          </a:fontRef>
+        </p:style>
+        <p:txBody>
+          <a:bodyPr rtlCol="0" anchor="ctr"/>
+          <a:lstStyle/>
+          <a:p>
+            <a:pPr algn="ctr"/>
+            <a:endParaRPr lang="sk-SK" dirty="0"/>
+          </a:p>
+        </p:txBody>
+      </p:sp>
+      <p:sp>
+        <p:nvSpPr>
+          <p:cNvPr id="4" name="Title 1">
+            <a:extLst>
+              <a:ext uri="{FF2B5EF4-FFF2-40B4-BE49-F238E27FC236}">
+                <a16:creationId xmlns:a16="http://schemas.microsoft.com/office/drawing/2014/main" id="{B2556E03-4892-4103-918A-83CA66F0FEB8}"/>
               </a:ext>
             </a:extLst>
           </p:cNvPr>
@@ -4405,66 +5515,125 @@
             <p:ph type="title"/>
           </p:nvPr>
         </p:nvSpPr>
-        <p:spPr/>
-        <p:txBody>
-          <a:bodyPr/>
-          <a:lstStyle/>
-          <a:p>
-            <a:r>
-              <a:rPr lang="cs-CZ" dirty="0"/>
-              <a:t>Solutions</a:t>
-            </a:r>
-            <a:endParaRPr lang="en-US" dirty="0"/>
-          </a:p>
-        </p:txBody>
-      </p:sp>
-      <p:sp>
-        <p:nvSpPr>
-          <p:cNvPr id="3" name="Content Placeholder 2">
-            <a:extLst>
-              <a:ext uri="{FF2B5EF4-FFF2-40B4-BE49-F238E27FC236}">
-                <a16:creationId xmlns:a16="http://schemas.microsoft.com/office/drawing/2014/main" id="{9AD95FE9-F044-49C2-A401-FDA427F44CC5}"/>
-              </a:ext>
-            </a:extLst>
-          </p:cNvPr>
-          <p:cNvSpPr>
-            <a:spLocks noGrp="1"/>
-          </p:cNvSpPr>
-          <p:nvPr>
-            <p:ph idx="1"/>
-          </p:nvPr>
-        </p:nvSpPr>
-        <p:spPr/>
-        <p:txBody>
-          <a:bodyPr/>
-          <a:lstStyle/>
-          <a:p>
-            <a:r>
-              <a:rPr lang="cs-CZ" dirty="0"/>
-              <a:t>Internet menej ovládaný vládou</a:t>
-            </a:r>
-          </a:p>
-          <a:p>
-            <a:r>
-              <a:rPr lang="cs-CZ" dirty="0"/>
-              <a:t>Kompromis medzi použivateľmi a vládou</a:t>
-            </a:r>
-          </a:p>
-          <a:p>
-            <a:r>
-              <a:rPr lang="cs-CZ" dirty="0"/>
-              <a:t>Celosvetovo rozšírené</a:t>
-            </a:r>
-          </a:p>
-          <a:p>
-            <a:endParaRPr lang="en-US" dirty="0"/>
-          </a:p>
-        </p:txBody>
-      </p:sp>
+        <p:spPr>
+          <a:xfrm>
+            <a:off x="1011790" y="3016577"/>
+            <a:ext cx="10168400" cy="983922"/>
+          </a:xfrm>
+        </p:spPr>
+        <p:txBody>
+          <a:bodyPr>
+            <a:normAutofit fontScale="90000"/>
+          </a:bodyPr>
+          <a:lstStyle/>
+          <a:p>
+            <a:pPr algn="ctr"/>
+            <a:r>
+              <a:rPr lang="en-US" b="1" dirty="0" err="1"/>
+              <a:t>Ako</a:t>
+            </a:r>
+            <a:r>
+              <a:rPr lang="en-US" b="1" dirty="0"/>
+              <a:t> je </a:t>
+            </a:r>
+            <a:r>
+              <a:rPr lang="en-US" b="1" dirty="0" err="1"/>
+              <a:t>na</a:t>
+            </a:r>
+            <a:r>
+              <a:rPr lang="en-US" b="1" dirty="0"/>
+              <a:t> tom</a:t>
+            </a:r>
+            <a:r>
+              <a:rPr lang="cs-CZ" b="1" dirty="0"/>
+              <a:t> </a:t>
+            </a:r>
+            <a:r>
+              <a:rPr lang="en-US" b="1" dirty="0"/>
+              <a:t>“</a:t>
+            </a:r>
+            <a:r>
+              <a:rPr lang="cs-CZ" b="1" dirty="0">
+                <a:solidFill>
+                  <a:srgbClr val="0070C0"/>
+                </a:solidFill>
+              </a:rPr>
+              <a:t>NET NEUTRALITY</a:t>
+            </a:r>
+            <a:r>
+              <a:rPr lang="en-US" b="1" dirty="0"/>
+              <a:t>”</a:t>
+            </a:r>
+            <a:r>
+              <a:rPr lang="cs-CZ" b="1" dirty="0"/>
+              <a:t> </a:t>
+            </a:r>
+            <a:r>
+              <a:rPr lang="en-US" b="1" dirty="0"/>
+              <a:t>v in</a:t>
+            </a:r>
+            <a:r>
+              <a:rPr lang="cs-CZ" b="1" dirty="0"/>
+              <a:t>ých štátoch?</a:t>
+            </a:r>
+            <a:endParaRPr lang="sk-SK" b="1" dirty="0">
+              <a:solidFill>
+                <a:schemeClr val="accent1"/>
+              </a:solidFill>
+            </a:endParaRPr>
+          </a:p>
+        </p:txBody>
+      </p:sp>
+      <p:pic>
+        <p:nvPicPr>
+          <p:cNvPr id="5" name="Picture 2" descr="Súvisiaci obrázok">
+            <a:extLst>
+              <a:ext uri="{FF2B5EF4-FFF2-40B4-BE49-F238E27FC236}">
+                <a16:creationId xmlns:a16="http://schemas.microsoft.com/office/drawing/2014/main" id="{520877C3-5457-491B-95DD-1BBAAEE8A9B5}"/>
+              </a:ext>
+            </a:extLst>
+          </p:cNvPr>
+          <p:cNvPicPr>
+            <a:picLocks noChangeAspect="1" noChangeArrowheads="1"/>
+          </p:cNvPicPr>
+          <p:nvPr/>
+        </p:nvPicPr>
+        <p:blipFill>
+          <a:blip r:embed="rId2">
+            <a:extLst>
+              <a:ext uri="{28A0092B-C50C-407E-A947-70E740481C1C}">
+                <a14:useLocalDpi xmlns:a14="http://schemas.microsoft.com/office/drawing/2010/main" val="0"/>
+              </a:ext>
+            </a:extLst>
+          </a:blip>
+          <a:stretch>
+            <a:fillRect/>
+          </a:stretch>
+        </p:blipFill>
+        <p:spPr bwMode="auto">
+          <a:xfrm>
+            <a:off x="10858522" y="6267997"/>
+            <a:ext cx="1150049" cy="376643"/>
+          </a:xfrm>
+          <a:prstGeom prst="rect">
+            <a:avLst/>
+          </a:prstGeom>
+          <a:noFill/>
+          <a:extLst>
+            <a:ext uri="{909E8E84-426E-40DD-AFC4-6F175D3DCCD1}">
+              <a14:hiddenFill xmlns:a14="http://schemas.microsoft.com/office/drawing/2010/main">
+                <a:solidFill>
+                  <a:srgbClr val="FFFFFF"/>
+                </a:solidFill>
+              </a14:hiddenFill>
+            </a:ext>
+          </a:extLst>
+        </p:spPr>
+      </p:pic>
     </p:spTree>
     <p:extLst>
       <p:ext uri="{BB962C8B-B14F-4D97-AF65-F5344CB8AC3E}">
-        <p14:creationId xmlns:p14="http://schemas.microsoft.com/office/powerpoint/2010/main" val="3682450439"/>
+        <p14:creationId xmlns:p14="http://schemas.microsoft.com/office/powerpoint/2010/main" val="2076068701"/>
       </p:ext>
     </p:extLst>
   </p:cSld>
@@ -4493,10 +5662,66 @@
       </p:grpSpPr>
       <p:sp>
         <p:nvSpPr>
+          <p:cNvPr id="5" name="Obdĺžnik 5">
+            <a:extLst>
+              <a:ext uri="{FF2B5EF4-FFF2-40B4-BE49-F238E27FC236}">
+                <a16:creationId xmlns:a16="http://schemas.microsoft.com/office/drawing/2014/main" id="{E1939C88-1FDD-4D05-9CFE-5F1C3F8CB965}"/>
+              </a:ext>
+            </a:extLst>
+          </p:cNvPr>
+          <p:cNvSpPr/>
+          <p:nvPr/>
+        </p:nvSpPr>
+        <p:spPr>
+          <a:xfrm>
+            <a:off x="120074" y="108860"/>
+            <a:ext cx="11951832" cy="6640280"/>
+          </a:xfrm>
+          <a:prstGeom prst="rect">
+            <a:avLst/>
+          </a:prstGeom>
+          <a:solidFill>
+            <a:schemeClr val="bg1"/>
+          </a:solidFill>
+          <a:ln w="38100">
+            <a:solidFill>
+              <a:schemeClr val="accent1">
+                <a:lumMod val="75000"/>
+              </a:schemeClr>
+            </a:solidFill>
+          </a:ln>
+        </p:spPr>
+        <p:style>
+          <a:lnRef idx="2">
+            <a:schemeClr val="accent1">
+              <a:shade val="50000"/>
+            </a:schemeClr>
+          </a:lnRef>
+          <a:fillRef idx="1">
+            <a:schemeClr val="accent1"/>
+          </a:fillRef>
+          <a:effectRef idx="0">
+            <a:schemeClr val="accent1"/>
+          </a:effectRef>
+          <a:fontRef idx="minor">
+            <a:schemeClr val="lt1"/>
+          </a:fontRef>
+        </p:style>
+        <p:txBody>
+          <a:bodyPr rtlCol="0" anchor="ctr"/>
+          <a:lstStyle/>
+          <a:p>
+            <a:pPr algn="ctr"/>
+            <a:endParaRPr lang="sk-SK" dirty="0"/>
+          </a:p>
+        </p:txBody>
+      </p:sp>
+      <p:sp>
+        <p:nvSpPr>
           <p:cNvPr id="2" name="Title 1">
             <a:extLst>
               <a:ext uri="{FF2B5EF4-FFF2-40B4-BE49-F238E27FC236}">
-                <a16:creationId xmlns:a16="http://schemas.microsoft.com/office/drawing/2014/main" id="{0BA2C6CE-B1CA-4558-81AC-A8E67F9EFB48}"/>
+                <a16:creationId xmlns:a16="http://schemas.microsoft.com/office/drawing/2014/main" id="{396EC039-3E30-4CD1-B5B0-D82AB3E6DAFA}"/>
               </a:ext>
             </a:extLst>
           </p:cNvPr>
@@ -4507,95 +5732,1197 @@
             <p:ph type="title"/>
           </p:nvPr>
         </p:nvSpPr>
-        <p:spPr/>
-        <p:txBody>
-          <a:bodyPr/>
-          <a:lstStyle/>
-          <a:p>
-            <a:r>
-              <a:rPr lang="cs-CZ" dirty="0"/>
-              <a:t>Zdroje</a:t>
-            </a:r>
-            <a:endParaRPr lang="en-US" dirty="0"/>
-          </a:p>
-        </p:txBody>
-      </p:sp>
-      <p:sp>
-        <p:nvSpPr>
-          <p:cNvPr id="3" name="Content Placeholder 2">
-            <a:extLst>
-              <a:ext uri="{FF2B5EF4-FFF2-40B4-BE49-F238E27FC236}">
-                <a16:creationId xmlns:a16="http://schemas.microsoft.com/office/drawing/2014/main" id="{1D3FBC29-BC66-4481-9A9A-22C55D60B77A}"/>
-              </a:ext>
-            </a:extLst>
-          </p:cNvPr>
-          <p:cNvSpPr>
-            <a:spLocks noGrp="1"/>
-          </p:cNvSpPr>
-          <p:nvPr>
-            <p:ph idx="1"/>
-          </p:nvPr>
-        </p:nvSpPr>
-        <p:spPr/>
+        <p:spPr>
+          <a:xfrm>
+            <a:off x="2049293" y="724209"/>
+            <a:ext cx="1700719" cy="1325563"/>
+          </a:xfrm>
+        </p:spPr>
         <p:txBody>
           <a:bodyPr>
             <a:normAutofit/>
           </a:bodyPr>
           <a:lstStyle/>
           <a:p>
+            <a:r>
+              <a:rPr lang="cs-CZ" sz="4800" b="1" dirty="0">
+                <a:solidFill>
+                  <a:srgbClr val="0070C0"/>
+                </a:solidFill>
+              </a:rPr>
+              <a:t>India</a:t>
+            </a:r>
+            <a:endParaRPr lang="en-US" sz="4800" b="1" dirty="0">
+              <a:solidFill>
+                <a:srgbClr val="0070C0"/>
+              </a:solidFill>
+            </a:endParaRPr>
+          </a:p>
+        </p:txBody>
+      </p:sp>
+      <p:sp>
+        <p:nvSpPr>
+          <p:cNvPr id="3" name="Content Placeholder 2">
+            <a:extLst>
+              <a:ext uri="{FF2B5EF4-FFF2-40B4-BE49-F238E27FC236}">
+                <a16:creationId xmlns:a16="http://schemas.microsoft.com/office/drawing/2014/main" id="{F591AB13-842B-4AE1-BA06-6FDC26C4DEE4}"/>
+              </a:ext>
+            </a:extLst>
+          </p:cNvPr>
+          <p:cNvSpPr>
+            <a:spLocks noGrp="1"/>
+          </p:cNvSpPr>
+          <p:nvPr>
+            <p:ph idx="1"/>
+          </p:nvPr>
+        </p:nvSpPr>
+        <p:spPr>
+          <a:xfrm>
+            <a:off x="5267258" y="1976325"/>
+            <a:ext cx="6639397" cy="1531460"/>
+          </a:xfrm>
+        </p:spPr>
+        <p:txBody>
+          <a:bodyPr>
+            <a:normAutofit fontScale="92500"/>
+          </a:bodyPr>
+          <a:lstStyle/>
+          <a:p>
+            <a:pPr marL="457200" lvl="1" indent="0" algn="ctr">
+              <a:buNone/>
+            </a:pPr>
+            <a:r>
+              <a:rPr lang="cs-CZ" sz="3000" dirty="0"/>
+              <a:t>Všeobecné </a:t>
+            </a:r>
+            <a:r>
+              <a:rPr lang="cs-CZ" sz="3000" dirty="0">
+                <a:solidFill>
+                  <a:srgbClr val="FF0000"/>
+                </a:solidFill>
+              </a:rPr>
+              <a:t>komunikačné</a:t>
+            </a:r>
+            <a:r>
+              <a:rPr lang="cs-CZ" sz="3000" dirty="0"/>
+              <a:t> regulácie (1934)</a:t>
+            </a:r>
+          </a:p>
+          <a:p>
+            <a:pPr marL="457200" lvl="1" indent="0" algn="ctr">
+              <a:buNone/>
+            </a:pPr>
+            <a:endParaRPr lang="cs-CZ" sz="3000" dirty="0"/>
+          </a:p>
+          <a:p>
+            <a:pPr marL="457200" lvl="1" indent="0" algn="ctr">
+              <a:buNone/>
+            </a:pPr>
+            <a:r>
+              <a:rPr lang="en-US" sz="3000" dirty="0"/>
+              <a:t>“</a:t>
+            </a:r>
+            <a:r>
+              <a:rPr lang="en-US" sz="3000" dirty="0">
+                <a:solidFill>
+                  <a:schemeClr val="accent6">
+                    <a:lumMod val="75000"/>
+                  </a:schemeClr>
+                </a:solidFill>
+              </a:rPr>
+              <a:t>Net neutrality act</a:t>
+            </a:r>
+            <a:r>
+              <a:rPr lang="en-US" sz="3000" dirty="0"/>
+              <a:t>” v </a:t>
+            </a:r>
+            <a:r>
+              <a:rPr lang="en-US" sz="3000" dirty="0" err="1">
+                <a:solidFill>
+                  <a:srgbClr val="FF0000"/>
+                </a:solidFill>
+              </a:rPr>
+              <a:t>Californii</a:t>
+            </a:r>
+            <a:endParaRPr lang="en-US" sz="3000" dirty="0">
+              <a:solidFill>
+                <a:srgbClr val="FF0000"/>
+              </a:solidFill>
+            </a:endParaRPr>
+          </a:p>
+          <a:p>
+            <a:pPr marL="457200" lvl="1" indent="0">
+              <a:buNone/>
+            </a:pPr>
+            <a:endParaRPr lang="cs-CZ" dirty="0"/>
+          </a:p>
+          <a:p>
+            <a:pPr lvl="1"/>
+            <a:endParaRPr lang="en-US" dirty="0"/>
+          </a:p>
+        </p:txBody>
+      </p:sp>
+      <p:pic>
+        <p:nvPicPr>
+          <p:cNvPr id="4098" name="Picture 2" descr="Image result for net neutrality india">
+            <a:extLst>
+              <a:ext uri="{FF2B5EF4-FFF2-40B4-BE49-F238E27FC236}">
+                <a16:creationId xmlns:a16="http://schemas.microsoft.com/office/drawing/2014/main" id="{13B751A4-5268-4B5F-BA88-C4CFAB6D8F62}"/>
+              </a:ext>
+            </a:extLst>
+          </p:cNvPr>
+          <p:cNvPicPr>
+            <a:picLocks noChangeAspect="1" noChangeArrowheads="1"/>
+          </p:cNvPicPr>
+          <p:nvPr/>
+        </p:nvPicPr>
+        <p:blipFill>
+          <a:blip r:embed="rId2">
+            <a:extLst>
+              <a:ext uri="{28A0092B-C50C-407E-A947-70E740481C1C}">
+                <a14:useLocalDpi xmlns:a14="http://schemas.microsoft.com/office/drawing/2010/main" val="0"/>
+              </a:ext>
+            </a:extLst>
+          </a:blip>
+          <a:srcRect/>
+          <a:stretch>
+            <a:fillRect/>
+          </a:stretch>
+        </p:blipFill>
+        <p:spPr bwMode="auto">
+          <a:xfrm>
+            <a:off x="838200" y="3958836"/>
+            <a:ext cx="4122906" cy="2318465"/>
+          </a:xfrm>
+          <a:prstGeom prst="rect">
+            <a:avLst/>
+          </a:prstGeom>
+          <a:noFill/>
+          <a:extLst>
+            <a:ext uri="{909E8E84-426E-40DD-AFC4-6F175D3DCCD1}">
+              <a14:hiddenFill xmlns:a14="http://schemas.microsoft.com/office/drawing/2010/main">
+                <a:solidFill>
+                  <a:srgbClr val="FFFFFF"/>
+                </a:solidFill>
+              </a14:hiddenFill>
+            </a:ext>
+          </a:extLst>
+        </p:spPr>
+      </p:pic>
+      <p:pic>
+        <p:nvPicPr>
+          <p:cNvPr id="6" name="Picture 2" descr="Súvisiaci obrázok">
+            <a:extLst>
+              <a:ext uri="{FF2B5EF4-FFF2-40B4-BE49-F238E27FC236}">
+                <a16:creationId xmlns:a16="http://schemas.microsoft.com/office/drawing/2014/main" id="{CA156B38-9719-42EE-B69E-CF8440E51CCC}"/>
+              </a:ext>
+            </a:extLst>
+          </p:cNvPr>
+          <p:cNvPicPr>
+            <a:picLocks noChangeAspect="1" noChangeArrowheads="1"/>
+          </p:cNvPicPr>
+          <p:nvPr/>
+        </p:nvPicPr>
+        <p:blipFill>
+          <a:blip r:embed="rId3">
+            <a:extLst>
+              <a:ext uri="{28A0092B-C50C-407E-A947-70E740481C1C}">
+                <a14:useLocalDpi xmlns:a14="http://schemas.microsoft.com/office/drawing/2010/main" val="0"/>
+              </a:ext>
+            </a:extLst>
+          </a:blip>
+          <a:stretch>
+            <a:fillRect/>
+          </a:stretch>
+        </p:blipFill>
+        <p:spPr bwMode="auto">
+          <a:xfrm>
+            <a:off x="10858522" y="6267997"/>
+            <a:ext cx="1150049" cy="376643"/>
+          </a:xfrm>
+          <a:prstGeom prst="rect">
+            <a:avLst/>
+          </a:prstGeom>
+          <a:noFill/>
+          <a:extLst>
+            <a:ext uri="{909E8E84-426E-40DD-AFC4-6F175D3DCCD1}">
+              <a14:hiddenFill xmlns:a14="http://schemas.microsoft.com/office/drawing/2010/main">
+                <a:solidFill>
+                  <a:srgbClr val="FFFFFF"/>
+                </a:solidFill>
+              </a14:hiddenFill>
+            </a:ext>
+          </a:extLst>
+        </p:spPr>
+      </p:pic>
+      <p:pic>
+        <p:nvPicPr>
+          <p:cNvPr id="4100" name="Picture 4" descr="Image result for net neutrality california">
+            <a:extLst>
+              <a:ext uri="{FF2B5EF4-FFF2-40B4-BE49-F238E27FC236}">
+                <a16:creationId xmlns:a16="http://schemas.microsoft.com/office/drawing/2014/main" id="{64631F79-43A3-4BEC-A058-1CF4BE2AAB52}"/>
+              </a:ext>
+            </a:extLst>
+          </p:cNvPr>
+          <p:cNvPicPr>
+            <a:picLocks noChangeAspect="1" noChangeArrowheads="1"/>
+          </p:cNvPicPr>
+          <p:nvPr/>
+        </p:nvPicPr>
+        <p:blipFill>
+          <a:blip r:embed="rId4">
+            <a:extLst>
+              <a:ext uri="{28A0092B-C50C-407E-A947-70E740481C1C}">
+                <a14:useLocalDpi xmlns:a14="http://schemas.microsoft.com/office/drawing/2010/main" val="0"/>
+              </a:ext>
+            </a:extLst>
+          </a:blip>
+          <a:srcRect/>
+          <a:stretch>
+            <a:fillRect/>
+          </a:stretch>
+        </p:blipFill>
+        <p:spPr bwMode="auto">
+          <a:xfrm>
+            <a:off x="6974157" y="3958837"/>
+            <a:ext cx="3531212" cy="2499622"/>
+          </a:xfrm>
+          <a:prstGeom prst="rect">
+            <a:avLst/>
+          </a:prstGeom>
+          <a:noFill/>
+          <a:extLst>
+            <a:ext uri="{909E8E84-426E-40DD-AFC4-6F175D3DCCD1}">
+              <a14:hiddenFill xmlns:a14="http://schemas.microsoft.com/office/drawing/2010/main">
+                <a:solidFill>
+                  <a:srgbClr val="FFFFFF"/>
+                </a:solidFill>
+              </a14:hiddenFill>
+            </a:ext>
+          </a:extLst>
+        </p:spPr>
+      </p:pic>
+      <p:sp>
+        <p:nvSpPr>
+          <p:cNvPr id="4" name="TextBox 3">
+            <a:extLst>
+              <a:ext uri="{FF2B5EF4-FFF2-40B4-BE49-F238E27FC236}">
+                <a16:creationId xmlns:a16="http://schemas.microsoft.com/office/drawing/2014/main" id="{8C47C600-C765-46F4-8835-0F2351FBBE2E}"/>
+              </a:ext>
+            </a:extLst>
+          </p:cNvPr>
+          <p:cNvSpPr txBox="1"/>
+          <p:nvPr/>
+        </p:nvSpPr>
+        <p:spPr>
+          <a:xfrm>
+            <a:off x="198916" y="1898352"/>
+            <a:ext cx="4989501" cy="1661993"/>
+          </a:xfrm>
+          <a:prstGeom prst="rect">
+            <a:avLst/>
+          </a:prstGeom>
+          <a:noFill/>
+        </p:spPr>
+        <p:txBody>
+          <a:bodyPr wrap="square" rtlCol="0">
+            <a:spAutoFit/>
+          </a:bodyPr>
+          <a:lstStyle/>
+          <a:p>
+            <a:pPr lvl="1" algn="ctr"/>
+            <a:r>
+              <a:rPr lang="cs-CZ" sz="2800" dirty="0">
+                <a:solidFill>
+                  <a:srgbClr val="FF0000"/>
+                </a:solidFill>
+              </a:rPr>
+              <a:t>Najnovšie</a:t>
+            </a:r>
+            <a:r>
+              <a:rPr lang="cs-CZ" sz="2800" dirty="0"/>
+              <a:t> regulácie (2018)</a:t>
+            </a:r>
+          </a:p>
+          <a:p>
+            <a:pPr lvl="1" algn="ctr"/>
+            <a:endParaRPr lang="cs-CZ" sz="2800" dirty="0"/>
+          </a:p>
+          <a:p>
+            <a:pPr lvl="1" algn="ctr"/>
+            <a:r>
+              <a:rPr lang="cs-CZ" sz="2800" dirty="0">
+                <a:solidFill>
+                  <a:srgbClr val="FF0000"/>
+                </a:solidFill>
+              </a:rPr>
+              <a:t>Najvoľnejší</a:t>
+            </a:r>
+            <a:r>
+              <a:rPr lang="cs-CZ" sz="2800" dirty="0"/>
+              <a:t> internet </a:t>
+            </a:r>
+            <a:r>
+              <a:rPr lang="cs-CZ" sz="2800" dirty="0">
+                <a:solidFill>
+                  <a:srgbClr val="FF0000"/>
+                </a:solidFill>
+              </a:rPr>
+              <a:t>vo svete</a:t>
+            </a:r>
+          </a:p>
+          <a:p>
+            <a:endParaRPr lang="en-US" dirty="0"/>
+          </a:p>
+        </p:txBody>
+      </p:sp>
+      <p:sp>
+        <p:nvSpPr>
+          <p:cNvPr id="9" name="Title 1">
+            <a:extLst>
+              <a:ext uri="{FF2B5EF4-FFF2-40B4-BE49-F238E27FC236}">
+                <a16:creationId xmlns:a16="http://schemas.microsoft.com/office/drawing/2014/main" id="{7C5E0D79-09B4-484C-8F11-75237B857F02}"/>
+              </a:ext>
+            </a:extLst>
+          </p:cNvPr>
+          <p:cNvSpPr txBox="1">
+            <a:spLocks/>
+          </p:cNvSpPr>
+          <p:nvPr/>
+        </p:nvSpPr>
+        <p:spPr>
+          <a:xfrm>
+            <a:off x="7889403" y="722131"/>
+            <a:ext cx="1700719" cy="1325563"/>
+          </a:xfrm>
+          <a:prstGeom prst="rect">
+            <a:avLst/>
+          </a:prstGeom>
+        </p:spPr>
+        <p:txBody>
+          <a:bodyPr vert="horz" lIns="91440" tIns="45720" rIns="91440" bIns="45720" rtlCol="0" anchor="ctr">
+            <a:normAutofit/>
+          </a:bodyPr>
+          <a:lstStyle>
+            <a:lvl1pPr algn="l" defTabSz="914400" rtl="0" eaLnBrk="1" latinLnBrk="0" hangingPunct="1">
+              <a:lnSpc>
+                <a:spcPct val="90000"/>
+              </a:lnSpc>
+              <a:spcBef>
+                <a:spcPct val="0"/>
+              </a:spcBef>
+              <a:buNone/>
+              <a:defRPr sz="4400" kern="1200">
+                <a:solidFill>
+                  <a:schemeClr val="tx1"/>
+                </a:solidFill>
+                <a:latin typeface="+mj-lt"/>
+                <a:ea typeface="+mj-ea"/>
+                <a:cs typeface="+mj-cs"/>
+              </a:defRPr>
+            </a:lvl1pPr>
+          </a:lstStyle>
+          <a:p>
+            <a:r>
+              <a:rPr lang="cs-CZ" sz="4800" b="1" dirty="0">
+                <a:solidFill>
+                  <a:srgbClr val="0070C0"/>
+                </a:solidFill>
+              </a:rPr>
+              <a:t>U.S.A.</a:t>
+            </a:r>
+            <a:endParaRPr lang="en-US" sz="4800" b="1" dirty="0">
+              <a:solidFill>
+                <a:srgbClr val="0070C0"/>
+              </a:solidFill>
+            </a:endParaRPr>
+          </a:p>
+        </p:txBody>
+      </p:sp>
+    </p:spTree>
+    <p:extLst>
+      <p:ext uri="{BB962C8B-B14F-4D97-AF65-F5344CB8AC3E}">
+        <p14:creationId xmlns:p14="http://schemas.microsoft.com/office/powerpoint/2010/main" val="1797306061"/>
+      </p:ext>
+    </p:extLst>
+  </p:cSld>
+  <p:clrMapOvr>
+    <a:masterClrMapping/>
+  </p:clrMapOvr>
+</p:sld>
+</file>
+
+<file path=ppt/slides/slide7.xml><?xml version="1.0" encoding="utf-8"?>
+<p:sld xmlns:a="http://schemas.openxmlformats.org/drawingml/2006/main" xmlns:r="http://schemas.openxmlformats.org/officeDocument/2006/relationships" xmlns:p="http://schemas.openxmlformats.org/presentationml/2006/main">
+  <p:cSld>
+    <p:spTree>
+      <p:nvGrpSpPr>
+        <p:cNvPr id="1" name=""/>
+        <p:cNvGrpSpPr/>
+        <p:nvPr/>
+      </p:nvGrpSpPr>
+      <p:grpSpPr>
+        <a:xfrm>
+          <a:off x="0" y="0"/>
+          <a:ext cx="0" cy="0"/>
+          <a:chOff x="0" y="0"/>
+          <a:chExt cx="0" cy="0"/>
+        </a:xfrm>
+      </p:grpSpPr>
+      <p:sp>
+        <p:nvSpPr>
+          <p:cNvPr id="6" name="Obdĺžnik 5">
+            <a:extLst>
+              <a:ext uri="{FF2B5EF4-FFF2-40B4-BE49-F238E27FC236}">
+                <a16:creationId xmlns:a16="http://schemas.microsoft.com/office/drawing/2014/main" id="{CC692B29-05EF-4D22-A150-BB130218726E}"/>
+              </a:ext>
+            </a:extLst>
+          </p:cNvPr>
+          <p:cNvSpPr/>
+          <p:nvPr/>
+        </p:nvSpPr>
+        <p:spPr>
+          <a:xfrm>
+            <a:off x="120074" y="108860"/>
+            <a:ext cx="11951832" cy="6640280"/>
+          </a:xfrm>
+          <a:prstGeom prst="rect">
+            <a:avLst/>
+          </a:prstGeom>
+          <a:solidFill>
+            <a:schemeClr val="bg1"/>
+          </a:solidFill>
+          <a:ln w="38100">
+            <a:solidFill>
+              <a:schemeClr val="accent1">
+                <a:lumMod val="75000"/>
+              </a:schemeClr>
+            </a:solidFill>
+          </a:ln>
+        </p:spPr>
+        <p:style>
+          <a:lnRef idx="2">
+            <a:schemeClr val="accent1">
+              <a:shade val="50000"/>
+            </a:schemeClr>
+          </a:lnRef>
+          <a:fillRef idx="1">
+            <a:schemeClr val="accent1"/>
+          </a:fillRef>
+          <a:effectRef idx="0">
+            <a:schemeClr val="accent1"/>
+          </a:effectRef>
+          <a:fontRef idx="minor">
+            <a:schemeClr val="lt1"/>
+          </a:fontRef>
+        </p:style>
+        <p:txBody>
+          <a:bodyPr rtlCol="0" anchor="ctr"/>
+          <a:lstStyle/>
+          <a:p>
+            <a:pPr algn="ctr"/>
+            <a:endParaRPr lang="sk-SK" dirty="0"/>
+          </a:p>
+        </p:txBody>
+      </p:sp>
+      <p:sp>
+        <p:nvSpPr>
+          <p:cNvPr id="4" name="Title 1">
+            <a:extLst>
+              <a:ext uri="{FF2B5EF4-FFF2-40B4-BE49-F238E27FC236}">
+                <a16:creationId xmlns:a16="http://schemas.microsoft.com/office/drawing/2014/main" id="{B2556E03-4892-4103-918A-83CA66F0FEB8}"/>
+              </a:ext>
+            </a:extLst>
+          </p:cNvPr>
+          <p:cNvSpPr>
+            <a:spLocks noGrp="1"/>
+          </p:cNvSpPr>
+          <p:nvPr>
+            <p:ph type="title"/>
+          </p:nvPr>
+        </p:nvSpPr>
+        <p:spPr>
+          <a:xfrm>
+            <a:off x="1011790" y="3016577"/>
+            <a:ext cx="10168400" cy="983922"/>
+          </a:xfrm>
+        </p:spPr>
+        <p:txBody>
+          <a:bodyPr>
+            <a:normAutofit/>
+          </a:bodyPr>
+          <a:lstStyle/>
+          <a:p>
+            <a:pPr algn="ctr"/>
+            <a:r>
+              <a:rPr lang="en-US" b="1" dirty="0" err="1"/>
+              <a:t>Ako</a:t>
+            </a:r>
+            <a:r>
+              <a:rPr lang="en-US" b="1" dirty="0"/>
+              <a:t> je</a:t>
+            </a:r>
+            <a:r>
+              <a:rPr lang="cs-CZ" b="1" dirty="0"/>
+              <a:t> </a:t>
+            </a:r>
+            <a:r>
+              <a:rPr lang="en-US" b="1" dirty="0">
+                <a:solidFill>
+                  <a:srgbClr val="0070C0"/>
+                </a:solidFill>
+              </a:rPr>
+              <a:t>internet</a:t>
+            </a:r>
+            <a:r>
+              <a:rPr lang="en-US" b="1" dirty="0"/>
+              <a:t> u n</a:t>
+            </a:r>
+            <a:r>
+              <a:rPr lang="cs-CZ" b="1" dirty="0"/>
+              <a:t>á</a:t>
+            </a:r>
+            <a:r>
+              <a:rPr lang="en-US" b="1" dirty="0"/>
+              <a:t>s </a:t>
+            </a:r>
+            <a:r>
+              <a:rPr lang="en-US" b="1" dirty="0" err="1">
+                <a:solidFill>
+                  <a:srgbClr val="0070C0"/>
+                </a:solidFill>
+              </a:rPr>
+              <a:t>obmedzovan</a:t>
+            </a:r>
+            <a:r>
+              <a:rPr lang="cs-CZ" b="1" dirty="0">
+                <a:solidFill>
+                  <a:srgbClr val="0070C0"/>
+                </a:solidFill>
+              </a:rPr>
+              <a:t>ý</a:t>
+            </a:r>
+            <a:r>
+              <a:rPr lang="cs-CZ" b="1" dirty="0"/>
+              <a:t>?</a:t>
+            </a:r>
+            <a:endParaRPr lang="sk-SK" b="1" dirty="0">
+              <a:solidFill>
+                <a:schemeClr val="accent1"/>
+              </a:solidFill>
+            </a:endParaRPr>
+          </a:p>
+        </p:txBody>
+      </p:sp>
+      <p:pic>
+        <p:nvPicPr>
+          <p:cNvPr id="5" name="Picture 2" descr="Súvisiaci obrázok">
+            <a:extLst>
+              <a:ext uri="{FF2B5EF4-FFF2-40B4-BE49-F238E27FC236}">
+                <a16:creationId xmlns:a16="http://schemas.microsoft.com/office/drawing/2014/main" id="{520877C3-5457-491B-95DD-1BBAAEE8A9B5}"/>
+              </a:ext>
+            </a:extLst>
+          </p:cNvPr>
+          <p:cNvPicPr>
+            <a:picLocks noChangeAspect="1" noChangeArrowheads="1"/>
+          </p:cNvPicPr>
+          <p:nvPr/>
+        </p:nvPicPr>
+        <p:blipFill>
+          <a:blip r:embed="rId2">
+            <a:extLst>
+              <a:ext uri="{28A0092B-C50C-407E-A947-70E740481C1C}">
+                <a14:useLocalDpi xmlns:a14="http://schemas.microsoft.com/office/drawing/2010/main" val="0"/>
+              </a:ext>
+            </a:extLst>
+          </a:blip>
+          <a:stretch>
+            <a:fillRect/>
+          </a:stretch>
+        </p:blipFill>
+        <p:spPr bwMode="auto">
+          <a:xfrm>
+            <a:off x="10858522" y="6267997"/>
+            <a:ext cx="1150049" cy="376643"/>
+          </a:xfrm>
+          <a:prstGeom prst="rect">
+            <a:avLst/>
+          </a:prstGeom>
+          <a:noFill/>
+          <a:extLst>
+            <a:ext uri="{909E8E84-426E-40DD-AFC4-6F175D3DCCD1}">
+              <a14:hiddenFill xmlns:a14="http://schemas.microsoft.com/office/drawing/2010/main">
+                <a:solidFill>
+                  <a:srgbClr val="FFFFFF"/>
+                </a:solidFill>
+              </a14:hiddenFill>
+            </a:ext>
+          </a:extLst>
+        </p:spPr>
+      </p:pic>
+    </p:spTree>
+    <p:extLst>
+      <p:ext uri="{BB962C8B-B14F-4D97-AF65-F5344CB8AC3E}">
+        <p14:creationId xmlns:p14="http://schemas.microsoft.com/office/powerpoint/2010/main" val="1764335554"/>
+      </p:ext>
+    </p:extLst>
+  </p:cSld>
+  <p:clrMapOvr>
+    <a:masterClrMapping/>
+  </p:clrMapOvr>
+</p:sld>
+</file>
+
+<file path=ppt/slides/slide8.xml><?xml version="1.0" encoding="utf-8"?>
+<p:sld xmlns:a="http://schemas.openxmlformats.org/drawingml/2006/main" xmlns:r="http://schemas.openxmlformats.org/officeDocument/2006/relationships" xmlns:p="http://schemas.openxmlformats.org/presentationml/2006/main">
+  <p:cSld>
+    <p:spTree>
+      <p:nvGrpSpPr>
+        <p:cNvPr id="1" name=""/>
+        <p:cNvGrpSpPr/>
+        <p:nvPr/>
+      </p:nvGrpSpPr>
+      <p:grpSpPr>
+        <a:xfrm>
+          <a:off x="0" y="0"/>
+          <a:ext cx="0" cy="0"/>
+          <a:chOff x="0" y="0"/>
+          <a:chExt cx="0" cy="0"/>
+        </a:xfrm>
+      </p:grpSpPr>
+      <p:sp>
+        <p:nvSpPr>
+          <p:cNvPr id="4" name="Obdĺžnik 5">
+            <a:extLst>
+              <a:ext uri="{FF2B5EF4-FFF2-40B4-BE49-F238E27FC236}">
+                <a16:creationId xmlns:a16="http://schemas.microsoft.com/office/drawing/2014/main" id="{96E3C770-94A7-4A6F-815C-51461F6B07D9}"/>
+              </a:ext>
+            </a:extLst>
+          </p:cNvPr>
+          <p:cNvSpPr/>
+          <p:nvPr/>
+        </p:nvSpPr>
+        <p:spPr>
+          <a:xfrm>
+            <a:off x="120074" y="108860"/>
+            <a:ext cx="11951832" cy="6640280"/>
+          </a:xfrm>
+          <a:prstGeom prst="rect">
+            <a:avLst/>
+          </a:prstGeom>
+          <a:solidFill>
+            <a:schemeClr val="bg1"/>
+          </a:solidFill>
+          <a:ln w="38100">
+            <a:solidFill>
+              <a:schemeClr val="accent1">
+                <a:lumMod val="75000"/>
+              </a:schemeClr>
+            </a:solidFill>
+          </a:ln>
+        </p:spPr>
+        <p:style>
+          <a:lnRef idx="2">
+            <a:schemeClr val="accent1">
+              <a:shade val="50000"/>
+            </a:schemeClr>
+          </a:lnRef>
+          <a:fillRef idx="1">
+            <a:schemeClr val="accent1"/>
+          </a:fillRef>
+          <a:effectRef idx="0">
+            <a:schemeClr val="accent1"/>
+          </a:effectRef>
+          <a:fontRef idx="minor">
+            <a:schemeClr val="lt1"/>
+          </a:fontRef>
+        </p:style>
+        <p:txBody>
+          <a:bodyPr rtlCol="0" anchor="ctr"/>
+          <a:lstStyle/>
+          <a:p>
+            <a:pPr algn="ctr"/>
+            <a:endParaRPr lang="sk-SK" dirty="0"/>
+          </a:p>
+        </p:txBody>
+      </p:sp>
+      <p:sp>
+        <p:nvSpPr>
+          <p:cNvPr id="2" name="Title 1">
+            <a:extLst>
+              <a:ext uri="{FF2B5EF4-FFF2-40B4-BE49-F238E27FC236}">
+                <a16:creationId xmlns:a16="http://schemas.microsoft.com/office/drawing/2014/main" id="{290339F9-81BB-4184-9D80-528BE2B6D0E6}"/>
+              </a:ext>
+            </a:extLst>
+          </p:cNvPr>
+          <p:cNvSpPr>
+            <a:spLocks noGrp="1"/>
+          </p:cNvSpPr>
+          <p:nvPr>
+            <p:ph type="title"/>
+          </p:nvPr>
+        </p:nvSpPr>
+        <p:spPr>
+          <a:xfrm>
+            <a:off x="3449425" y="538546"/>
+            <a:ext cx="3941189" cy="1325563"/>
+          </a:xfrm>
+        </p:spPr>
+        <p:txBody>
+          <a:bodyPr>
+            <a:normAutofit/>
+          </a:bodyPr>
+          <a:lstStyle/>
+          <a:p>
+            <a:r>
+              <a:rPr lang="en-US" sz="4800" b="1" dirty="0" err="1">
+                <a:solidFill>
+                  <a:srgbClr val="0070C0"/>
+                </a:solidFill>
+              </a:rPr>
+              <a:t>Obmedzovanie</a:t>
+            </a:r>
+            <a:endParaRPr lang="en-US" sz="4800" b="1" dirty="0">
+              <a:solidFill>
+                <a:srgbClr val="0070C0"/>
+              </a:solidFill>
+            </a:endParaRPr>
+          </a:p>
+        </p:txBody>
+      </p:sp>
+      <p:sp>
+        <p:nvSpPr>
+          <p:cNvPr id="3" name="Content Placeholder 2">
+            <a:extLst>
+              <a:ext uri="{FF2B5EF4-FFF2-40B4-BE49-F238E27FC236}">
+                <a16:creationId xmlns:a16="http://schemas.microsoft.com/office/drawing/2014/main" id="{CB2FD44F-0F08-4AB1-AFAA-2A173FB3C5EA}"/>
+              </a:ext>
+            </a:extLst>
+          </p:cNvPr>
+          <p:cNvSpPr>
+            <a:spLocks noGrp="1"/>
+          </p:cNvSpPr>
+          <p:nvPr>
+            <p:ph idx="1"/>
+          </p:nvPr>
+        </p:nvSpPr>
+        <p:spPr>
+          <a:xfrm>
+            <a:off x="872177" y="1706197"/>
+            <a:ext cx="7513948" cy="1492610"/>
+          </a:xfrm>
+        </p:spPr>
+        <p:txBody>
+          <a:bodyPr>
+            <a:normAutofit/>
+          </a:bodyPr>
+          <a:lstStyle/>
+          <a:p>
             <a:pPr marL="0" indent="0">
               <a:buNone/>
             </a:pPr>
             <a:r>
-              <a:rPr lang="en-US" sz="1600" dirty="0">
-                <a:hlinkClick r:id="rId2"/>
+              <a:rPr lang="en-US" sz="3500" dirty="0" err="1"/>
+              <a:t>Aktu</a:t>
+            </a:r>
+            <a:r>
+              <a:rPr lang="cs-CZ" sz="3500" dirty="0"/>
+              <a:t>álne </a:t>
+            </a:r>
+            <a:r>
+              <a:rPr lang="cs-CZ" sz="3500" dirty="0">
+                <a:solidFill>
+                  <a:srgbClr val="FF0000"/>
+                </a:solidFill>
               </a:rPr>
-              <a:t>https://en.wikipedia.org/wiki/Net_neutrality#Legal_aspects</a:t>
-            </a:r>
-            <a:endParaRPr lang="cs-CZ" sz="1600" dirty="0"/>
-          </a:p>
-          <a:p>
-            <a:pPr marL="0" indent="0">
+              <a:t>minimálne</a:t>
+            </a:r>
+            <a:r>
+              <a:rPr lang="cs-CZ" sz="3500" dirty="0"/>
+              <a:t> </a:t>
+            </a:r>
+            <a:r>
+              <a:rPr lang="cs-CZ" sz="3500" dirty="0">
+                <a:solidFill>
+                  <a:srgbClr val="FF0000"/>
+                </a:solidFill>
+              </a:rPr>
+              <a:t>pravidlá</a:t>
+            </a:r>
+          </a:p>
+          <a:p>
+            <a:pPr marL="457200" lvl="1" indent="0">
               <a:buNone/>
             </a:pPr>
             <a:r>
-              <a:rPr lang="en-US" sz="1600" dirty="0">
-                <a:hlinkClick r:id="rId3"/>
+              <a:rPr lang="cs-CZ" sz="2800" dirty="0">
+                <a:solidFill>
+                  <a:schemeClr val="accent6">
+                    <a:lumMod val="75000"/>
+                  </a:schemeClr>
+                </a:solidFill>
               </a:rPr>
-              <a:t>https://berec.europa.eu/eng/netneutrality/</a:t>
-            </a:r>
-            <a:endParaRPr lang="cs-CZ" sz="1600" dirty="0"/>
-          </a:p>
-          <a:p>
-            <a:pPr marL="0" indent="0">
+              <a:t>Obmedzenia možné mimo verejných sietí</a:t>
+            </a:r>
+          </a:p>
+          <a:p>
+            <a:pPr marL="457200" lvl="1" indent="0">
               <a:buNone/>
             </a:pPr>
             <a:r>
-              <a:rPr lang="en-US" sz="1600" dirty="0">
-                <a:hlinkClick r:id="rId4"/>
+              <a:rPr lang="cs-CZ" sz="2800" dirty="0">
+                <a:solidFill>
+                  <a:schemeClr val="accent6">
+                    <a:lumMod val="75000"/>
+                  </a:schemeClr>
+                </a:solidFill>
               </a:rPr>
-              <a:t>https://www.eff.org/issues/net-neutrality</a:t>
-            </a:r>
-            <a:endParaRPr lang="cs-CZ" sz="1600" dirty="0"/>
-          </a:p>
-          <a:p>
-            <a:pPr marL="0" indent="0">
-              <a:buNone/>
-            </a:pPr>
-            <a:r>
-              <a:rPr lang="en-US" sz="1600" dirty="0">
-                <a:hlinkClick r:id="rId5"/>
-              </a:rPr>
-              <a:t>https://www.researchgate.net/publication/259926987_Internet_Co-Regulation_European_Law_Regulatory_Governance_and_Legitimacy_in_Cyberspace_by_Christopher_T_Marsden</a:t>
-            </a:r>
-            <a:endParaRPr lang="en-US" sz="1500" dirty="0"/>
-          </a:p>
-        </p:txBody>
-      </p:sp>
+              <a:t>Provideri nemôžu ovplyvňovať tok internetu</a:t>
+            </a:r>
+          </a:p>
+          <a:p>
+            <a:endParaRPr lang="en-US" dirty="0">
+              <a:solidFill>
+                <a:schemeClr val="accent6">
+                  <a:lumMod val="75000"/>
+                </a:schemeClr>
+              </a:solidFill>
+            </a:endParaRPr>
+          </a:p>
+          <a:p>
+            <a:endParaRPr lang="en-US" dirty="0"/>
+          </a:p>
+        </p:txBody>
+      </p:sp>
+      <p:pic>
+        <p:nvPicPr>
+          <p:cNvPr id="5" name="Picture 2" descr="Súvisiaci obrázok">
+            <a:extLst>
+              <a:ext uri="{FF2B5EF4-FFF2-40B4-BE49-F238E27FC236}">
+                <a16:creationId xmlns:a16="http://schemas.microsoft.com/office/drawing/2014/main" id="{6DBB3D4C-5C31-450B-B3C6-B92EA4BEC93B}"/>
+              </a:ext>
+            </a:extLst>
+          </p:cNvPr>
+          <p:cNvPicPr>
+            <a:picLocks noChangeAspect="1" noChangeArrowheads="1"/>
+          </p:cNvPicPr>
+          <p:nvPr/>
+        </p:nvPicPr>
+        <p:blipFill>
+          <a:blip r:embed="rId3">
+            <a:extLst>
+              <a:ext uri="{28A0092B-C50C-407E-A947-70E740481C1C}">
+                <a14:useLocalDpi xmlns:a14="http://schemas.microsoft.com/office/drawing/2010/main" val="0"/>
+              </a:ext>
+            </a:extLst>
+          </a:blip>
+          <a:stretch>
+            <a:fillRect/>
+          </a:stretch>
+        </p:blipFill>
+        <p:spPr bwMode="auto">
+          <a:xfrm>
+            <a:off x="10858522" y="6267997"/>
+            <a:ext cx="1150049" cy="376643"/>
+          </a:xfrm>
+          <a:prstGeom prst="rect">
+            <a:avLst/>
+          </a:prstGeom>
+          <a:noFill/>
+          <a:extLst>
+            <a:ext uri="{909E8E84-426E-40DD-AFC4-6F175D3DCCD1}">
+              <a14:hiddenFill xmlns:a14="http://schemas.microsoft.com/office/drawing/2010/main">
+                <a:solidFill>
+                  <a:srgbClr val="FFFFFF"/>
+                </a:solidFill>
+              </a14:hiddenFill>
+            </a:ext>
+          </a:extLst>
+        </p:spPr>
+      </p:pic>
+      <p:pic>
+        <p:nvPicPr>
+          <p:cNvPr id="5122" name="Picture 2" descr="Image result for berec">
+            <a:extLst>
+              <a:ext uri="{FF2B5EF4-FFF2-40B4-BE49-F238E27FC236}">
+                <a16:creationId xmlns:a16="http://schemas.microsoft.com/office/drawing/2014/main" id="{2E925106-C44B-4AC1-AACF-B55A2788FEFF}"/>
+              </a:ext>
+            </a:extLst>
+          </p:cNvPr>
+          <p:cNvPicPr>
+            <a:picLocks noChangeAspect="1" noChangeArrowheads="1"/>
+          </p:cNvPicPr>
+          <p:nvPr/>
+        </p:nvPicPr>
+        <p:blipFill>
+          <a:blip r:embed="rId4">
+            <a:extLst>
+              <a:ext uri="{28A0092B-C50C-407E-A947-70E740481C1C}">
+                <a14:useLocalDpi xmlns:a14="http://schemas.microsoft.com/office/drawing/2010/main" val="0"/>
+              </a:ext>
+            </a:extLst>
+          </a:blip>
+          <a:srcRect/>
+          <a:stretch>
+            <a:fillRect/>
+          </a:stretch>
+        </p:blipFill>
+        <p:spPr bwMode="auto">
+          <a:xfrm>
+            <a:off x="8023378" y="1193434"/>
+            <a:ext cx="3415764" cy="2227672"/>
+          </a:xfrm>
+          <a:prstGeom prst="rect">
+            <a:avLst/>
+          </a:prstGeom>
+          <a:noFill/>
+          <a:extLst>
+            <a:ext uri="{909E8E84-426E-40DD-AFC4-6F175D3DCCD1}">
+              <a14:hiddenFill xmlns:a14="http://schemas.microsoft.com/office/drawing/2010/main">
+                <a:solidFill>
+                  <a:srgbClr val="FFFFFF"/>
+                </a:solidFill>
+              </a14:hiddenFill>
+            </a:ext>
+          </a:extLst>
+        </p:spPr>
+      </p:pic>
+      <p:pic>
+        <p:nvPicPr>
+          <p:cNvPr id="5126" name="Picture 6" descr="Image result for berec">
+            <a:extLst>
+              <a:ext uri="{FF2B5EF4-FFF2-40B4-BE49-F238E27FC236}">
+                <a16:creationId xmlns:a16="http://schemas.microsoft.com/office/drawing/2014/main" id="{B19F9414-646F-4869-A738-258814D9C6B0}"/>
+              </a:ext>
+            </a:extLst>
+          </p:cNvPr>
+          <p:cNvPicPr>
+            <a:picLocks noChangeAspect="1" noChangeArrowheads="1"/>
+          </p:cNvPicPr>
+          <p:nvPr/>
+        </p:nvPicPr>
+        <p:blipFill>
+          <a:blip r:embed="rId5">
+            <a:extLst>
+              <a:ext uri="{28A0092B-C50C-407E-A947-70E740481C1C}">
+                <a14:useLocalDpi xmlns:a14="http://schemas.microsoft.com/office/drawing/2010/main" val="0"/>
+              </a:ext>
+            </a:extLst>
+          </a:blip>
+          <a:srcRect/>
+          <a:stretch>
+            <a:fillRect/>
+          </a:stretch>
+        </p:blipFill>
+        <p:spPr bwMode="auto">
+          <a:xfrm>
+            <a:off x="1296383" y="3198807"/>
+            <a:ext cx="5929460" cy="3335321"/>
+          </a:xfrm>
+          <a:prstGeom prst="rect">
+            <a:avLst/>
+          </a:prstGeom>
+          <a:noFill/>
+          <a:extLst>
+            <a:ext uri="{909E8E84-426E-40DD-AFC4-6F175D3DCCD1}">
+              <a14:hiddenFill xmlns:a14="http://schemas.microsoft.com/office/drawing/2010/main">
+                <a:solidFill>
+                  <a:srgbClr val="FFFFFF"/>
+                </a:solidFill>
+              </a14:hiddenFill>
+            </a:ext>
+          </a:extLst>
+        </p:spPr>
+      </p:pic>
     </p:spTree>
     <p:extLst>
       <p:ext uri="{BB962C8B-B14F-4D97-AF65-F5344CB8AC3E}">
-        <p14:creationId xmlns:p14="http://schemas.microsoft.com/office/powerpoint/2010/main" val="1343444229"/>
+        <p14:creationId xmlns:p14="http://schemas.microsoft.com/office/powerpoint/2010/main" val="1863815182"/>
+      </p:ext>
+    </p:extLst>
+  </p:cSld>
+  <p:clrMapOvr>
+    <a:masterClrMapping/>
+  </p:clrMapOvr>
+</p:sld>
+</file>
+
+<file path=ppt/slides/slide9.xml><?xml version="1.0" encoding="utf-8"?>
+<p:sld xmlns:a="http://schemas.openxmlformats.org/drawingml/2006/main" xmlns:r="http://schemas.openxmlformats.org/officeDocument/2006/relationships" xmlns:p="http://schemas.openxmlformats.org/presentationml/2006/main">
+  <p:cSld>
+    <p:spTree>
+      <p:nvGrpSpPr>
+        <p:cNvPr id="1" name=""/>
+        <p:cNvGrpSpPr/>
+        <p:nvPr/>
+      </p:nvGrpSpPr>
+      <p:grpSpPr>
+        <a:xfrm>
+          <a:off x="0" y="0"/>
+          <a:ext cx="0" cy="0"/>
+          <a:chOff x="0" y="0"/>
+          <a:chExt cx="0" cy="0"/>
+        </a:xfrm>
+      </p:grpSpPr>
+      <p:sp>
+        <p:nvSpPr>
+          <p:cNvPr id="6" name="Obdĺžnik 5">
+            <a:extLst>
+              <a:ext uri="{FF2B5EF4-FFF2-40B4-BE49-F238E27FC236}">
+                <a16:creationId xmlns:a16="http://schemas.microsoft.com/office/drawing/2014/main" id="{CC692B29-05EF-4D22-A150-BB130218726E}"/>
+              </a:ext>
+            </a:extLst>
+          </p:cNvPr>
+          <p:cNvSpPr/>
+          <p:nvPr/>
+        </p:nvSpPr>
+        <p:spPr>
+          <a:xfrm>
+            <a:off x="120074" y="108860"/>
+            <a:ext cx="11951832" cy="6640280"/>
+          </a:xfrm>
+          <a:prstGeom prst="rect">
+            <a:avLst/>
+          </a:prstGeom>
+          <a:solidFill>
+            <a:schemeClr val="bg1"/>
+          </a:solidFill>
+          <a:ln w="38100">
+            <a:solidFill>
+              <a:schemeClr val="accent1">
+                <a:lumMod val="75000"/>
+              </a:schemeClr>
+            </a:solidFill>
+          </a:ln>
+        </p:spPr>
+        <p:style>
+          <a:lnRef idx="2">
+            <a:schemeClr val="accent1">
+              <a:shade val="50000"/>
+            </a:schemeClr>
+          </a:lnRef>
+          <a:fillRef idx="1">
+            <a:schemeClr val="accent1"/>
+          </a:fillRef>
+          <a:effectRef idx="0">
+            <a:schemeClr val="accent1"/>
+          </a:effectRef>
+          <a:fontRef idx="minor">
+            <a:schemeClr val="lt1"/>
+          </a:fontRef>
+        </p:style>
+        <p:txBody>
+          <a:bodyPr rtlCol="0" anchor="ctr"/>
+          <a:lstStyle/>
+          <a:p>
+            <a:pPr algn="ctr"/>
+            <a:endParaRPr lang="sk-SK" dirty="0"/>
+          </a:p>
+        </p:txBody>
+      </p:sp>
+      <p:sp>
+        <p:nvSpPr>
+          <p:cNvPr id="4" name="Title 1">
+            <a:extLst>
+              <a:ext uri="{FF2B5EF4-FFF2-40B4-BE49-F238E27FC236}">
+                <a16:creationId xmlns:a16="http://schemas.microsoft.com/office/drawing/2014/main" id="{B2556E03-4892-4103-918A-83CA66F0FEB8}"/>
+              </a:ext>
+            </a:extLst>
+          </p:cNvPr>
+          <p:cNvSpPr>
+            <a:spLocks noGrp="1"/>
+          </p:cNvSpPr>
+          <p:nvPr>
+            <p:ph type="title"/>
+          </p:nvPr>
+        </p:nvSpPr>
+        <p:spPr>
+          <a:xfrm>
+            <a:off x="1401441" y="2857500"/>
+            <a:ext cx="9389097" cy="1143000"/>
+          </a:xfrm>
+        </p:spPr>
+        <p:txBody>
+          <a:bodyPr>
+            <a:normAutofit/>
+          </a:bodyPr>
+          <a:lstStyle/>
+          <a:p>
+            <a:pPr algn="ctr"/>
+            <a:r>
+              <a:rPr lang="cs-CZ" b="1" dirty="0"/>
+              <a:t>Čo pre nás znamená </a:t>
+            </a:r>
+            <a:r>
+              <a:rPr lang="cs-CZ" b="1" dirty="0">
+                <a:solidFill>
+                  <a:schemeClr val="accent1"/>
+                </a:solidFill>
+              </a:rPr>
+              <a:t>KOREGULÁCIA</a:t>
+            </a:r>
+            <a:r>
+              <a:rPr lang="cs-CZ" b="1" dirty="0"/>
+              <a:t>?</a:t>
+            </a:r>
+            <a:endParaRPr lang="sk-SK" b="1" dirty="0">
+              <a:solidFill>
+                <a:schemeClr val="accent1"/>
+              </a:solidFill>
+            </a:endParaRPr>
+          </a:p>
+        </p:txBody>
+      </p:sp>
+      <p:pic>
+        <p:nvPicPr>
+          <p:cNvPr id="5" name="Picture 2" descr="Súvisiaci obrázok">
+            <a:extLst>
+              <a:ext uri="{FF2B5EF4-FFF2-40B4-BE49-F238E27FC236}">
+                <a16:creationId xmlns:a16="http://schemas.microsoft.com/office/drawing/2014/main" id="{520877C3-5457-491B-95DD-1BBAAEE8A9B5}"/>
+              </a:ext>
+            </a:extLst>
+          </p:cNvPr>
+          <p:cNvPicPr>
+            <a:picLocks noChangeAspect="1" noChangeArrowheads="1"/>
+          </p:cNvPicPr>
+          <p:nvPr/>
+        </p:nvPicPr>
+        <p:blipFill>
+          <a:blip r:embed="rId2">
+            <a:extLst>
+              <a:ext uri="{28A0092B-C50C-407E-A947-70E740481C1C}">
+                <a14:useLocalDpi xmlns:a14="http://schemas.microsoft.com/office/drawing/2010/main" val="0"/>
+              </a:ext>
+            </a:extLst>
+          </a:blip>
+          <a:stretch>
+            <a:fillRect/>
+          </a:stretch>
+        </p:blipFill>
+        <p:spPr bwMode="auto">
+          <a:xfrm>
+            <a:off x="10858522" y="6267997"/>
+            <a:ext cx="1150049" cy="376643"/>
+          </a:xfrm>
+          <a:prstGeom prst="rect">
+            <a:avLst/>
+          </a:prstGeom>
+          <a:noFill/>
+          <a:extLst>
+            <a:ext uri="{909E8E84-426E-40DD-AFC4-6F175D3DCCD1}">
+              <a14:hiddenFill xmlns:a14="http://schemas.microsoft.com/office/drawing/2010/main">
+                <a:solidFill>
+                  <a:srgbClr val="FFFFFF"/>
+                </a:solidFill>
+              </a14:hiddenFill>
+            </a:ext>
+          </a:extLst>
+        </p:spPr>
+      </p:pic>
+    </p:spTree>
+    <p:extLst>
+      <p:ext uri="{BB962C8B-B14F-4D97-AF65-F5344CB8AC3E}">
+        <p14:creationId xmlns:p14="http://schemas.microsoft.com/office/powerpoint/2010/main" val="3389662092"/>
       </p:ext>
     </p:extLst>
   </p:cSld>

--- a/PrezentaciaRiso.pptx
+++ b/PrezentaciaRiso.pptx
@@ -207,7 +207,7 @@
           <a:p>
             <a:fld id="{EEAF7BCD-6782-413E-BCFD-B8637E4E8740}" type="datetimeFigureOut">
               <a:rPr lang="en-US" smtClean="0"/>
-              <a:t>1/11/2019</a:t>
+              <a:t>11/2/2019</a:t>
             </a:fld>
             <a:endParaRPr lang="en-US"/>
           </a:p>
@@ -871,7 +871,7 @@
           <a:p>
             <a:fld id="{BDCD04BE-9241-4E22-A793-95CEBF312EB0}" type="datetimeFigureOut">
               <a:rPr lang="en-US" smtClean="0"/>
-              <a:t>1/11/2019</a:t>
+              <a:t>11/2/2019</a:t>
             </a:fld>
             <a:endParaRPr lang="en-US"/>
           </a:p>
@@ -1069,7 +1069,7 @@
           <a:p>
             <a:fld id="{BDCD04BE-9241-4E22-A793-95CEBF312EB0}" type="datetimeFigureOut">
               <a:rPr lang="en-US" smtClean="0"/>
-              <a:t>1/11/2019</a:t>
+              <a:t>11/2/2019</a:t>
             </a:fld>
             <a:endParaRPr lang="en-US"/>
           </a:p>
@@ -1277,7 +1277,7 @@
           <a:p>
             <a:fld id="{BDCD04BE-9241-4E22-A793-95CEBF312EB0}" type="datetimeFigureOut">
               <a:rPr lang="en-US" smtClean="0"/>
-              <a:t>1/11/2019</a:t>
+              <a:t>11/2/2019</a:t>
             </a:fld>
             <a:endParaRPr lang="en-US"/>
           </a:p>
@@ -1475,7 +1475,7 @@
           <a:p>
             <a:fld id="{BDCD04BE-9241-4E22-A793-95CEBF312EB0}" type="datetimeFigureOut">
               <a:rPr lang="en-US" smtClean="0"/>
-              <a:t>1/11/2019</a:t>
+              <a:t>11/2/2019</a:t>
             </a:fld>
             <a:endParaRPr lang="en-US"/>
           </a:p>
@@ -1750,7 +1750,7 @@
           <a:p>
             <a:fld id="{BDCD04BE-9241-4E22-A793-95CEBF312EB0}" type="datetimeFigureOut">
               <a:rPr lang="en-US" smtClean="0"/>
-              <a:t>1/11/2019</a:t>
+              <a:t>11/2/2019</a:t>
             </a:fld>
             <a:endParaRPr lang="en-US"/>
           </a:p>
@@ -2015,7 +2015,7 @@
           <a:p>
             <a:fld id="{BDCD04BE-9241-4E22-A793-95CEBF312EB0}" type="datetimeFigureOut">
               <a:rPr lang="en-US" smtClean="0"/>
-              <a:t>1/11/2019</a:t>
+              <a:t>11/2/2019</a:t>
             </a:fld>
             <a:endParaRPr lang="en-US"/>
           </a:p>
@@ -2427,7 +2427,7 @@
           <a:p>
             <a:fld id="{BDCD04BE-9241-4E22-A793-95CEBF312EB0}" type="datetimeFigureOut">
               <a:rPr lang="en-US" smtClean="0"/>
-              <a:t>1/11/2019</a:t>
+              <a:t>11/2/2019</a:t>
             </a:fld>
             <a:endParaRPr lang="en-US"/>
           </a:p>
@@ -2568,7 +2568,7 @@
           <a:p>
             <a:fld id="{BDCD04BE-9241-4E22-A793-95CEBF312EB0}" type="datetimeFigureOut">
               <a:rPr lang="en-US" smtClean="0"/>
-              <a:t>1/11/2019</a:t>
+              <a:t>11/2/2019</a:t>
             </a:fld>
             <a:endParaRPr lang="en-US"/>
           </a:p>
@@ -2681,7 +2681,7 @@
           <a:p>
             <a:fld id="{BDCD04BE-9241-4E22-A793-95CEBF312EB0}" type="datetimeFigureOut">
               <a:rPr lang="en-US" smtClean="0"/>
-              <a:t>1/11/2019</a:t>
+              <a:t>11/2/2019</a:t>
             </a:fld>
             <a:endParaRPr lang="en-US"/>
           </a:p>
@@ -2992,7 +2992,7 @@
           <a:p>
             <a:fld id="{BDCD04BE-9241-4E22-A793-95CEBF312EB0}" type="datetimeFigureOut">
               <a:rPr lang="en-US" smtClean="0"/>
-              <a:t>1/11/2019</a:t>
+              <a:t>11/2/2019</a:t>
             </a:fld>
             <a:endParaRPr lang="en-US"/>
           </a:p>
@@ -3280,7 +3280,7 @@
           <a:p>
             <a:fld id="{BDCD04BE-9241-4E22-A793-95CEBF312EB0}" type="datetimeFigureOut">
               <a:rPr lang="en-US" smtClean="0"/>
-              <a:t>1/11/2019</a:t>
+              <a:t>11/2/2019</a:t>
             </a:fld>
             <a:endParaRPr lang="en-US"/>
           </a:p>
@@ -3521,7 +3521,7 @@
           <a:p>
             <a:fld id="{BDCD04BE-9241-4E22-A793-95CEBF312EB0}" type="datetimeFigureOut">
               <a:rPr lang="en-US" smtClean="0"/>
-              <a:t>1/11/2019</a:t>
+              <a:t>11/2/2019</a:t>
             </a:fld>
             <a:endParaRPr lang="en-US"/>
           </a:p>
@@ -4164,34 +4164,38 @@
           <a:lstStyle/>
           <a:p>
             <a:r>
-              <a:rPr lang="cs-CZ" sz="3200" i="1" dirty="0"/>
+              <a:rPr lang="cs-CZ" sz="3200" dirty="0"/>
               <a:t>Je spolupráca </a:t>
             </a:r>
             <a:r>
-              <a:rPr lang="cs-CZ" sz="3200" i="1" dirty="0">
+              <a:rPr lang="cs-CZ" sz="3200" dirty="0">
                 <a:solidFill>
-                  <a:srgbClr val="FF0000"/>
+                  <a:schemeClr val="accent5">
+                    <a:lumMod val="75000"/>
+                  </a:schemeClr>
                 </a:solidFill>
               </a:rPr>
-              <a:t>zákonodarnej moci</a:t>
-            </a:r>
-            <a:r>
-              <a:rPr lang="cs-CZ" sz="3200" i="1" dirty="0"/>
-              <a:t> s </a:t>
-            </a:r>
-            <a:r>
-              <a:rPr lang="cs-CZ" sz="3200" i="1" dirty="0">
+              <a:t>zákonodarnej moci </a:t>
+            </a:r>
+            <a:r>
+              <a:rPr lang="cs-CZ" sz="3200" dirty="0"/>
+              <a:t>s </a:t>
+            </a:r>
+            <a:r>
+              <a:rPr lang="cs-CZ" sz="3200" dirty="0">
                 <a:solidFill>
-                  <a:srgbClr val="FF0000"/>
+                  <a:schemeClr val="accent5">
+                    <a:lumMod val="75000"/>
+                  </a:schemeClr>
                 </a:solidFill>
               </a:rPr>
-              <a:t>počítačovou vedou</a:t>
-            </a:r>
-            <a:r>
-              <a:rPr lang="cs-CZ" sz="3200" i="1" dirty="0"/>
-              <a:t> možná?</a:t>
-            </a:r>
-            <a:endParaRPr lang="en-US" sz="3200" i="1" dirty="0"/>
+              <a:t>počítačovou vedou </a:t>
+            </a:r>
+            <a:r>
+              <a:rPr lang="cs-CZ" sz="3200" dirty="0"/>
+              <a:t>možná?</a:t>
+            </a:r>
+            <a:endParaRPr lang="en-US" sz="3200" dirty="0"/>
           </a:p>
         </p:txBody>
       </p:sp>
@@ -4209,7 +4213,7 @@
         </p:nvSpPr>
         <p:spPr>
           <a:xfrm>
-            <a:off x="798578" y="4052273"/>
+            <a:off x="798578" y="5375969"/>
             <a:ext cx="8178457" cy="584775"/>
           </a:xfrm>
           <a:prstGeom prst="rect">
@@ -4257,7 +4261,7 @@
         </p:nvSpPr>
         <p:spPr>
           <a:xfrm>
-            <a:off x="1015393" y="2220953"/>
+            <a:off x="798578" y="2236662"/>
             <a:ext cx="5511637" cy="584775"/>
           </a:xfrm>
           <a:prstGeom prst="rect">
@@ -4305,8 +4309,8 @@
         </p:nvSpPr>
         <p:spPr>
           <a:xfrm>
-            <a:off x="3177818" y="2924666"/>
-            <a:ext cx="593393" cy="1008668"/>
+            <a:off x="2812058" y="3025058"/>
+            <a:ext cx="1150342" cy="2153411"/>
           </a:xfrm>
           <a:prstGeom prst="downArrow">
             <a:avLst/>
@@ -4366,7 +4370,7 @@
         </p:blipFill>
         <p:spPr bwMode="auto">
           <a:xfrm>
-            <a:off x="6527030" y="1778514"/>
+            <a:off x="6618703" y="2378844"/>
             <a:ext cx="5144715" cy="2220189"/>
           </a:xfrm>
           <a:prstGeom prst="rect">
@@ -4597,7 +4601,7 @@
           <a:lstStyle/>
           <a:p>
             <a:pPr algn="ctr"/>
-            <a:endParaRPr lang="sk-SK" dirty="0"/>
+            <a:endParaRPr lang="sk-SK" sz="2000" dirty="0"/>
           </a:p>
         </p:txBody>
       </p:sp>
@@ -4615,8 +4619,8 @@
         </p:nvSpPr>
         <p:spPr>
           <a:xfrm>
-            <a:off x="1168923" y="928422"/>
-            <a:ext cx="5065426" cy="461665"/>
+            <a:off x="5158244" y="717910"/>
+            <a:ext cx="5881354" cy="523220"/>
           </a:xfrm>
           <a:prstGeom prst="rect">
             <a:avLst/>
@@ -4630,8 +4634,22 @@
           <a:lstStyle/>
           <a:p>
             <a:r>
-              <a:rPr lang="cs-CZ" sz="2400" dirty="0"/>
-              <a:t>Ako môžu zákonníci ovplyvniť internet?</a:t>
+              <a:rPr lang="cs-CZ" sz="2800" dirty="0"/>
+              <a:t>Ako môžu zákonníci </a:t>
+            </a:r>
+            <a:r>
+              <a:rPr lang="cs-CZ" sz="2800" dirty="0">
+                <a:solidFill>
+                  <a:schemeClr val="accent5">
+                    <a:lumMod val="75000"/>
+                  </a:schemeClr>
+                </a:solidFill>
+              </a:rPr>
+              <a:t>ovplyvniť internet</a:t>
+            </a:r>
+            <a:r>
+              <a:rPr lang="cs-CZ" sz="2800" dirty="0"/>
+              <a:t>?</a:t>
             </a:r>
           </a:p>
         </p:txBody>
@@ -4650,8 +4668,8 @@
         </p:nvSpPr>
         <p:spPr>
           <a:xfrm>
-            <a:off x="1451727" y="2921717"/>
-            <a:ext cx="8502977" cy="461665"/>
+            <a:off x="2315642" y="2905780"/>
+            <a:ext cx="9277604" cy="523220"/>
           </a:xfrm>
           <a:prstGeom prst="rect">
             <a:avLst/>
@@ -4665,10 +4683,24 @@
           <a:lstStyle/>
           <a:p>
             <a:r>
-              <a:rPr lang="cs-CZ" sz="2400" dirty="0"/>
-              <a:t>Ako regulovať internet aby všetci mali naňho rovnaké právo?</a:t>
-            </a:r>
-            <a:endParaRPr lang="en-US" sz="2400" dirty="0"/>
+              <a:rPr lang="cs-CZ" sz="2800" dirty="0"/>
+              <a:t>Ako regulovať internet aby všetci mali </a:t>
+            </a:r>
+            <a:r>
+              <a:rPr lang="cs-CZ" sz="2800" dirty="0">
+                <a:solidFill>
+                  <a:schemeClr val="accent5">
+                    <a:lumMod val="75000"/>
+                  </a:schemeClr>
+                </a:solidFill>
+              </a:rPr>
+              <a:t>naňho rovnaké právo</a:t>
+            </a:r>
+            <a:r>
+              <a:rPr lang="cs-CZ" sz="2800" dirty="0"/>
+              <a:t>?</a:t>
+            </a:r>
+            <a:endParaRPr lang="en-US" sz="2800" dirty="0"/>
           </a:p>
         </p:txBody>
       </p:sp>
@@ -4686,8 +4718,8 @@
         </p:nvSpPr>
         <p:spPr>
           <a:xfrm>
-            <a:off x="4976072" y="1897787"/>
-            <a:ext cx="6637907" cy="461665"/>
+            <a:off x="660923" y="1782425"/>
+            <a:ext cx="7709868" cy="523220"/>
           </a:xfrm>
           <a:prstGeom prst="rect">
             <a:avLst/>
@@ -4701,10 +4733,24 @@
           <a:lstStyle/>
           <a:p>
             <a:r>
-              <a:rPr lang="cs-CZ" sz="2400" dirty="0"/>
-              <a:t>Môžeme zabrániť rozširovaniu falošných informácii?</a:t>
-            </a:r>
-            <a:endParaRPr lang="en-US" sz="2400" dirty="0"/>
+              <a:rPr lang="cs-CZ" sz="2800" dirty="0"/>
+              <a:t>Môžeme </a:t>
+            </a:r>
+            <a:r>
+              <a:rPr lang="cs-CZ" sz="2800" dirty="0">
+                <a:solidFill>
+                  <a:schemeClr val="accent5">
+                    <a:lumMod val="75000"/>
+                  </a:schemeClr>
+                </a:solidFill>
+              </a:rPr>
+              <a:t>zabrániť rozširovaniu</a:t>
+            </a:r>
+            <a:r>
+              <a:rPr lang="cs-CZ" sz="2800" dirty="0"/>
+              <a:t> falošných informácii?</a:t>
+            </a:r>
+            <a:endParaRPr lang="en-US" sz="2800" dirty="0"/>
           </a:p>
         </p:txBody>
       </p:sp>
@@ -4768,8 +4814,8 @@
         </p:nvSpPr>
         <p:spPr>
           <a:xfrm>
-            <a:off x="518473" y="5242930"/>
-            <a:ext cx="8915197" cy="461665"/>
+            <a:off x="660923" y="5362560"/>
+            <a:ext cx="10378675" cy="523220"/>
           </a:xfrm>
           <a:prstGeom prst="rect">
             <a:avLst/>
@@ -4783,10 +4829,24 @@
           <a:lstStyle/>
           <a:p>
             <a:r>
-              <a:rPr lang="cs-CZ" sz="2400" dirty="0"/>
-              <a:t>Prečo môžu dať zákony veľkým firmám úplnú kontrolu nad internetom</a:t>
-            </a:r>
-            <a:endParaRPr lang="en-US" sz="2400" dirty="0"/>
+              <a:rPr lang="cs-CZ" sz="2800" dirty="0"/>
+              <a:t>Prečo môžu dať zákony veľkým firmám </a:t>
+            </a:r>
+            <a:r>
+              <a:rPr lang="cs-CZ" sz="2800" dirty="0">
+                <a:solidFill>
+                  <a:schemeClr val="accent5">
+                    <a:lumMod val="75000"/>
+                  </a:schemeClr>
+                </a:solidFill>
+              </a:rPr>
+              <a:t>úplnú kontrolu </a:t>
+            </a:r>
+            <a:r>
+              <a:rPr lang="cs-CZ" sz="2800" dirty="0"/>
+              <a:t>nad internetom</a:t>
+            </a:r>
+            <a:endParaRPr lang="en-US" sz="2800" dirty="0"/>
           </a:p>
         </p:txBody>
       </p:sp>
@@ -4804,8 +4864,8 @@
         </p:nvSpPr>
         <p:spPr>
           <a:xfrm>
-            <a:off x="3799002" y="4154691"/>
-            <a:ext cx="7979557" cy="461665"/>
+            <a:off x="527482" y="4121414"/>
+            <a:ext cx="9277604" cy="523220"/>
           </a:xfrm>
           <a:prstGeom prst="rect">
             <a:avLst/>
@@ -4819,10 +4879,24 @@
           <a:lstStyle/>
           <a:p>
             <a:r>
-              <a:rPr lang="cs-CZ" sz="2400" dirty="0"/>
-              <a:t>Dokážu moderné technológie ľahko ovplyvniť verejnú mienku?</a:t>
-            </a:r>
-            <a:endParaRPr lang="en-US" sz="2400" dirty="0"/>
+              <a:rPr lang="cs-CZ" sz="2800" dirty="0"/>
+              <a:t>Dokážu moderné technológie ľahko </a:t>
+            </a:r>
+            <a:r>
+              <a:rPr lang="cs-CZ" sz="2800" dirty="0">
+                <a:solidFill>
+                  <a:schemeClr val="accent5">
+                    <a:lumMod val="75000"/>
+                  </a:schemeClr>
+                </a:solidFill>
+              </a:rPr>
+              <a:t>ovplyvniť verejnú mienku</a:t>
+            </a:r>
+            <a:r>
+              <a:rPr lang="cs-CZ" sz="2800" dirty="0"/>
+              <a:t>?</a:t>
+            </a:r>
+            <a:endParaRPr lang="en-US" sz="2800" dirty="0"/>
           </a:p>
         </p:txBody>
       </p:sp>
@@ -5123,7 +5197,7 @@
         </p:nvSpPr>
         <p:spPr>
           <a:xfrm>
-            <a:off x="2893243" y="395562"/>
+            <a:off x="826652" y="359617"/>
             <a:ext cx="10515600" cy="1325563"/>
           </a:xfrm>
         </p:spPr>
@@ -5133,30 +5207,24 @@
           </a:bodyPr>
           <a:lstStyle/>
           <a:p>
-            <a:r>
-              <a:rPr lang="en-US" sz="4800" b="1" dirty="0">
+            <a:pPr algn="ctr"/>
+            <a:r>
+              <a:rPr lang="sk-SK" sz="4800" b="1" dirty="0">
                 <a:solidFill>
-                  <a:srgbClr val="FF0000"/>
+                  <a:schemeClr val="accent5">
+                    <a:lumMod val="75000"/>
+                  </a:schemeClr>
                 </a:solidFill>
               </a:rPr>
-              <a:t>“</a:t>
-            </a:r>
-            <a:r>
-              <a:rPr lang="cs-CZ" sz="4800" b="1" dirty="0">
-                <a:solidFill>
-                  <a:srgbClr val="FF0000"/>
-                </a:solidFill>
-              </a:rPr>
-              <a:t>Net neutrality</a:t>
-            </a:r>
-            <a:r>
-              <a:rPr lang="en-US" sz="4800" b="1" dirty="0">
-                <a:solidFill>
-                  <a:srgbClr val="FF0000"/>
-                </a:solidFill>
-              </a:rPr>
-              <a:t>”</a:t>
-            </a:r>
+              <a:t>„NET NEUTRALITY“</a:t>
+            </a:r>
+            <a:endParaRPr lang="en-US" sz="4800" b="1" dirty="0">
+              <a:solidFill>
+                <a:schemeClr val="accent5">
+                  <a:lumMod val="75000"/>
+                </a:schemeClr>
+              </a:solidFill>
+            </a:endParaRPr>
           </a:p>
         </p:txBody>
       </p:sp>
@@ -5218,7 +5286,9 @@
             <a:r>
               <a:rPr lang="cs-CZ" b="1" dirty="0">
                 <a:solidFill>
-                  <a:srgbClr val="FF0000"/>
+                  <a:schemeClr val="accent1">
+                    <a:lumMod val="75000"/>
+                  </a:schemeClr>
                 </a:solidFill>
               </a:rPr>
               <a:t>internetovej komunikácie</a:t>
@@ -5793,19 +5863,7 @@
             </a:pPr>
             <a:r>
               <a:rPr lang="cs-CZ" sz="3000" dirty="0"/>
-              <a:t>Všeobecné </a:t>
-            </a:r>
-            <a:r>
-              <a:rPr lang="cs-CZ" sz="3000" dirty="0">
-                <a:solidFill>
-                  <a:srgbClr val="FF0000"/>
-                </a:solidFill>
-              </a:rPr>
-              <a:t>komunikačné</a:t>
-            </a:r>
-            <a:r>
-              <a:rPr lang="cs-CZ" sz="3000" dirty="0"/>
-              <a:t> regulácie (1934)</a:t>
+              <a:t>Všeobecné komunikačné regulácie (1934)</a:t>
             </a:r>
           </a:p>
           <a:p>
@@ -5837,18 +5895,10 @@
               <a:t>” v </a:t>
             </a:r>
             <a:r>
-              <a:rPr lang="en-US" sz="3000" dirty="0" err="1">
-                <a:solidFill>
-                  <a:srgbClr val="FF0000"/>
-                </a:solidFill>
-              </a:rPr>
+              <a:rPr lang="en-US" sz="3000" dirty="0" err="1"/>
               <a:t>Californii</a:t>
             </a:r>
-            <a:endParaRPr lang="en-US" sz="3000" dirty="0">
-              <a:solidFill>
-                <a:srgbClr val="FF0000"/>
-              </a:solidFill>
-            </a:endParaRPr>
+            <a:endParaRPr lang="en-US" sz="3000" dirty="0"/>
           </a:p>
           <a:p>
             <a:pPr marL="457200" lvl="1" indent="0">
@@ -6032,28 +6082,22 @@
           <a:p>
             <a:pPr lvl="1" algn="ctr"/>
             <a:r>
+              <a:rPr lang="cs-CZ" sz="2800" dirty="0"/>
+              <a:t>Najnovšie regulácie (2018)</a:t>
+            </a:r>
+          </a:p>
+          <a:p>
+            <a:pPr lvl="1" algn="ctr"/>
+            <a:endParaRPr lang="cs-CZ" sz="2800" dirty="0"/>
+          </a:p>
+          <a:p>
+            <a:pPr lvl="1" algn="ctr"/>
+            <a:r>
               <a:rPr lang="cs-CZ" sz="2800" dirty="0">
                 <a:solidFill>
-                  <a:srgbClr val="FF0000"/>
-                </a:solidFill>
-              </a:rPr>
-              <a:t>Najnovšie</a:t>
-            </a:r>
-            <a:r>
-              <a:rPr lang="cs-CZ" sz="2800" dirty="0"/>
-              <a:t> regulácie (2018)</a:t>
-            </a:r>
-          </a:p>
-          <a:p>
-            <a:pPr lvl="1" algn="ctr"/>
-            <a:endParaRPr lang="cs-CZ" sz="2800" dirty="0"/>
-          </a:p>
-          <a:p>
-            <a:pPr lvl="1" algn="ctr"/>
-            <a:r>
-              <a:rPr lang="cs-CZ" sz="2800" dirty="0">
-                <a:solidFill>
-                  <a:srgbClr val="FF0000"/>
+                  <a:schemeClr val="accent6">
+                    <a:lumMod val="75000"/>
+                  </a:schemeClr>
                 </a:solidFill>
               </a:rPr>
               <a:t>Najvoľnejší</a:t>
@@ -6065,7 +6109,9 @@
             <a:r>
               <a:rPr lang="cs-CZ" sz="2800" dirty="0">
                 <a:solidFill>
-                  <a:srgbClr val="FF0000"/>
+                  <a:schemeClr val="accent6">
+                    <a:lumMod val="75000"/>
+                  </a:schemeClr>
                 </a:solidFill>
               </a:rPr>
               <a:t>vo svete</a:t>
@@ -6555,13 +6601,7 @@
               <a:buNone/>
             </a:pPr>
             <a:r>
-              <a:rPr lang="cs-CZ" sz="2800" dirty="0">
-                <a:solidFill>
-                  <a:schemeClr val="accent6">
-                    <a:lumMod val="75000"/>
-                  </a:schemeClr>
-                </a:solidFill>
-              </a:rPr>
+              <a:rPr lang="cs-CZ" sz="2800" dirty="0"/>
               <a:t>Obmedzenia možné mimo verejných sietí</a:t>
             </a:r>
           </a:p>
@@ -6570,14 +6610,20 @@
               <a:buNone/>
             </a:pPr>
             <a:r>
+              <a:rPr lang="cs-CZ" sz="2800" dirty="0"/>
+              <a:t>Provideri </a:t>
+            </a:r>
+            <a:r>
               <a:rPr lang="cs-CZ" sz="2800" dirty="0">
                 <a:solidFill>
-                  <a:schemeClr val="accent6">
-                    <a:lumMod val="75000"/>
-                  </a:schemeClr>
+                  <a:srgbClr val="FF0000"/>
                 </a:solidFill>
               </a:rPr>
-              <a:t>Provideri nemôžu ovplyvňovať tok internetu</a:t>
+              <a:t>nemôžu ovplyvňovať </a:t>
+            </a:r>
+            <a:r>
+              <a:rPr lang="cs-CZ" sz="2800" dirty="0"/>
+              <a:t>tok internetu</a:t>
             </a:r>
           </a:p>
           <a:p>

--- a/PrezentaciaRiso.pptx
+++ b/PrezentaciaRiso.pptx
@@ -4619,8 +4619,8 @@
         </p:nvSpPr>
         <p:spPr>
           <a:xfrm>
-            <a:off x="5158244" y="717910"/>
-            <a:ext cx="5881354" cy="523220"/>
+            <a:off x="660923" y="823917"/>
+            <a:ext cx="6706964" cy="584775"/>
           </a:xfrm>
           <a:prstGeom prst="rect">
             <a:avLst/>
@@ -4634,11 +4634,11 @@
           <a:lstStyle/>
           <a:p>
             <a:r>
-              <a:rPr lang="cs-CZ" sz="2800" dirty="0"/>
+              <a:rPr lang="cs-CZ" sz="3200" dirty="0"/>
               <a:t>Ako môžu zákonníci </a:t>
             </a:r>
             <a:r>
-              <a:rPr lang="cs-CZ" sz="2800" dirty="0">
+              <a:rPr lang="cs-CZ" sz="3200" dirty="0">
                 <a:solidFill>
                   <a:schemeClr val="accent5">
                     <a:lumMod val="75000"/>
@@ -4648,7 +4648,7 @@
               <a:t>ovplyvniť internet</a:t>
             </a:r>
             <a:r>
-              <a:rPr lang="cs-CZ" sz="2800" dirty="0"/>
+              <a:rPr lang="cs-CZ" sz="3200" dirty="0"/>
               <a:t>?</a:t>
             </a:r>
           </a:p>
@@ -4668,8 +4668,8 @@
         </p:nvSpPr>
         <p:spPr>
           <a:xfrm>
-            <a:off x="2315642" y="2905780"/>
-            <a:ext cx="9277604" cy="523220"/>
+            <a:off x="660923" y="2827148"/>
+            <a:ext cx="10459972" cy="584775"/>
           </a:xfrm>
           <a:prstGeom prst="rect">
             <a:avLst/>
@@ -4683,11 +4683,11 @@
           <a:lstStyle/>
           <a:p>
             <a:r>
-              <a:rPr lang="cs-CZ" sz="2800" dirty="0"/>
+              <a:rPr lang="cs-CZ" sz="3200" dirty="0"/>
               <a:t>Ako regulovať internet aby všetci mali </a:t>
             </a:r>
             <a:r>
-              <a:rPr lang="cs-CZ" sz="2800" dirty="0">
+              <a:rPr lang="cs-CZ" sz="3200" dirty="0">
                 <a:solidFill>
                   <a:schemeClr val="accent5">
                     <a:lumMod val="75000"/>
@@ -4697,10 +4697,10 @@
               <a:t>naňho rovnaké právo</a:t>
             </a:r>
             <a:r>
-              <a:rPr lang="cs-CZ" sz="2800" dirty="0"/>
+              <a:rPr lang="cs-CZ" sz="3200" dirty="0"/>
               <a:t>?</a:t>
             </a:r>
-            <a:endParaRPr lang="en-US" sz="2800" dirty="0"/>
+            <a:endParaRPr lang="en-US" sz="3200" dirty="0"/>
           </a:p>
         </p:txBody>
       </p:sp>
@@ -4718,8 +4718,8 @@
         </p:nvSpPr>
         <p:spPr>
           <a:xfrm>
-            <a:off x="660923" y="1782425"/>
-            <a:ext cx="7709868" cy="523220"/>
+            <a:off x="660923" y="1831361"/>
+            <a:ext cx="8802859" cy="584775"/>
           </a:xfrm>
           <a:prstGeom prst="rect">
             <a:avLst/>
@@ -4733,11 +4733,11 @@
           <a:lstStyle/>
           <a:p>
             <a:r>
-              <a:rPr lang="cs-CZ" sz="2800" dirty="0"/>
+              <a:rPr lang="cs-CZ" sz="3200" dirty="0"/>
               <a:t>Môžeme </a:t>
             </a:r>
             <a:r>
-              <a:rPr lang="cs-CZ" sz="2800" dirty="0">
+              <a:rPr lang="cs-CZ" sz="3200" dirty="0">
                 <a:solidFill>
                   <a:schemeClr val="accent5">
                     <a:lumMod val="75000"/>
@@ -4747,10 +4747,10 @@
               <a:t>zabrániť rozširovaniu</a:t>
             </a:r>
             <a:r>
-              <a:rPr lang="cs-CZ" sz="2800" dirty="0"/>
+              <a:rPr lang="cs-CZ" sz="3200" dirty="0"/>
               <a:t> falošných informácii?</a:t>
             </a:r>
-            <a:endParaRPr lang="en-US" sz="2800" dirty="0"/>
+            <a:endParaRPr lang="en-US" sz="3200" dirty="0"/>
           </a:p>
         </p:txBody>
       </p:sp>
@@ -4814,8 +4814,8 @@
         </p:nvSpPr>
         <p:spPr>
           <a:xfrm>
-            <a:off x="660923" y="5362560"/>
-            <a:ext cx="10378675" cy="523220"/>
+            <a:off x="660923" y="4822356"/>
+            <a:ext cx="9245288" cy="1077218"/>
           </a:xfrm>
           <a:prstGeom prst="rect">
             <a:avLst/>
@@ -4829,11 +4829,11 @@
           <a:lstStyle/>
           <a:p>
             <a:r>
-              <a:rPr lang="cs-CZ" sz="2800" dirty="0"/>
+              <a:rPr lang="cs-CZ" sz="3200" dirty="0"/>
               <a:t>Prečo môžu dať zákony veľkým firmám </a:t>
             </a:r>
             <a:r>
-              <a:rPr lang="cs-CZ" sz="2800" dirty="0">
+              <a:rPr lang="cs-CZ" sz="3200" dirty="0">
                 <a:solidFill>
                   <a:schemeClr val="accent5">
                     <a:lumMod val="75000"/>
@@ -4842,11 +4842,13 @@
               </a:rPr>
               <a:t>úplnú kontrolu </a:t>
             </a:r>
-            <a:r>
-              <a:rPr lang="cs-CZ" sz="2800" dirty="0"/>
+          </a:p>
+          <a:p>
+            <a:r>
+              <a:rPr lang="cs-CZ" sz="3200" dirty="0"/>
               <a:t>nad internetom</a:t>
             </a:r>
-            <a:endParaRPr lang="en-US" sz="2800" dirty="0"/>
+            <a:endParaRPr lang="en-US" sz="3200" dirty="0"/>
           </a:p>
         </p:txBody>
       </p:sp>
@@ -4864,8 +4866,8 @@
         </p:nvSpPr>
         <p:spPr>
           <a:xfrm>
-            <a:off x="527482" y="4121414"/>
-            <a:ext cx="9277604" cy="523220"/>
+            <a:off x="660923" y="3869158"/>
+            <a:ext cx="10593413" cy="584775"/>
           </a:xfrm>
           <a:prstGeom prst="rect">
             <a:avLst/>
@@ -4879,11 +4881,11 @@
           <a:lstStyle/>
           <a:p>
             <a:r>
-              <a:rPr lang="cs-CZ" sz="2800" dirty="0"/>
+              <a:rPr lang="cs-CZ" sz="3200" dirty="0"/>
               <a:t>Dokážu moderné technológie ľahko </a:t>
             </a:r>
             <a:r>
-              <a:rPr lang="cs-CZ" sz="2800" dirty="0">
+              <a:rPr lang="cs-CZ" sz="3200" dirty="0">
                 <a:solidFill>
                   <a:schemeClr val="accent5">
                     <a:lumMod val="75000"/>
@@ -4893,10 +4895,10 @@
               <a:t>ovplyvniť verejnú mienku</a:t>
             </a:r>
             <a:r>
-              <a:rPr lang="cs-CZ" sz="2800" dirty="0"/>
+              <a:rPr lang="cs-CZ" sz="3200" dirty="0"/>
               <a:t>?</a:t>
             </a:r>
-            <a:endParaRPr lang="en-US" sz="2800" dirty="0"/>
+            <a:endParaRPr lang="en-US" sz="3200" dirty="0"/>
           </a:p>
         </p:txBody>
       </p:sp>
